--- a/Präsi/präsi (3).pptx
+++ b/Präsi/präsi (3).pptx
@@ -5,10 +5,10 @@
     <p:sldMasterId id="2147483696" r:id="rId4"/>
   </p:sldMasterIdLst>
   <p:notesMasterIdLst>
-    <p:notesMasterId r:id="rId17"/>
+    <p:notesMasterId r:id="rId19"/>
   </p:notesMasterIdLst>
   <p:handoutMasterIdLst>
-    <p:handoutMasterId r:id="rId18"/>
+    <p:handoutMasterId r:id="rId20"/>
   </p:handoutMasterIdLst>
   <p:sldIdLst>
     <p:sldId id="256" r:id="rId5"/>
@@ -22,7 +22,9 @@
     <p:sldId id="268" r:id="rId13"/>
     <p:sldId id="266" r:id="rId14"/>
     <p:sldId id="269" r:id="rId15"/>
-    <p:sldId id="270" r:id="rId16"/>
+    <p:sldId id="271" r:id="rId16"/>
+    <p:sldId id="272" r:id="rId17"/>
+    <p:sldId id="270" r:id="rId18"/>
   </p:sldIdLst>
   <p:sldSz cx="12192000" cy="6858000"/>
   <p:notesSz cx="6858000" cy="9144000"/>
@@ -256,7 +258,7 @@
           <a:p>
             <a:fld id="{67702A17-7AE3-4B44-889C-4D77A0FC7177}" type="datetime1">
               <a:rPr lang="de-DE" smtClean="0"/>
-              <a:t>20.03.2022</a:t>
+              <a:t>24.03.2022</a:t>
             </a:fld>
             <a:endParaRPr lang="de-DE" dirty="0"/>
           </a:p>
@@ -436,7 +438,7 @@
             <a:fld id="{82650ACC-C7DD-445E-BC27-71FC31906D7B}" type="datetime1">
               <a:rPr lang="de-DE" smtClean="0"/>
               <a:pPr/>
-              <a:t>20.03.2022</a:t>
+              <a:t>24.03.2022</a:t>
             </a:fld>
             <a:endParaRPr lang="de-DE" dirty="0"/>
           </a:p>
@@ -11820,8 +11822,8 @@
           </a:p>
         </p:txBody>
       </p:sp>
-      <mc:AlternateContent xmlns:mc="http://schemas.openxmlformats.org/markup-compatibility/2006">
-        <mc:Choice xmlns:a14="http://schemas.microsoft.com/office/drawing/2010/main" Requires="a14">
+      <mc:AlternateContent xmlns:mc="http://schemas.openxmlformats.org/markup-compatibility/2006" xmlns:a14="http://schemas.microsoft.com/office/drawing/2010/main">
+        <mc:Choice Requires="a14">
           <p:sp>
             <p:nvSpPr>
               <p:cNvPr id="17" name="Textfeld 16">
@@ -12142,7 +12144,7 @@
             </p:txBody>
           </p:sp>
         </mc:Choice>
-        <mc:Fallback>
+        <mc:Fallback xmlns="">
           <p:sp>
             <p:nvSpPr>
               <p:cNvPr id="17" name="Textfeld 16">
@@ -12194,8 +12196,8 @@
           </p:sp>
         </mc:Fallback>
       </mc:AlternateContent>
-      <mc:AlternateContent xmlns:mc="http://schemas.openxmlformats.org/markup-compatibility/2006">
-        <mc:Choice xmlns:a14="http://schemas.microsoft.com/office/drawing/2010/main" Requires="a14">
+      <mc:AlternateContent xmlns:mc="http://schemas.openxmlformats.org/markup-compatibility/2006" xmlns:a14="http://schemas.microsoft.com/office/drawing/2010/main">
+        <mc:Choice Requires="a14">
           <p:sp>
             <p:nvSpPr>
               <p:cNvPr id="18" name="Textfeld 17">
@@ -12567,7 +12569,7 @@
             </p:txBody>
           </p:sp>
         </mc:Choice>
-        <mc:Fallback>
+        <mc:Fallback xmlns="">
           <p:sp>
             <p:nvSpPr>
               <p:cNvPr id="18" name="Textfeld 17">
@@ -12612,8 +12614,8 @@
           </p:sp>
         </mc:Fallback>
       </mc:AlternateContent>
-      <mc:AlternateContent xmlns:mc="http://schemas.openxmlformats.org/markup-compatibility/2006">
-        <mc:Choice xmlns:a14="http://schemas.microsoft.com/office/drawing/2010/main" Requires="a14">
+      <mc:AlternateContent xmlns:mc="http://schemas.openxmlformats.org/markup-compatibility/2006" xmlns:a14="http://schemas.microsoft.com/office/drawing/2010/main">
+        <mc:Choice Requires="a14">
           <p:sp>
             <p:nvSpPr>
               <p:cNvPr id="19" name="Textfeld 18">
@@ -12941,7 +12943,7 @@
             </p:txBody>
           </p:sp>
         </mc:Choice>
-        <mc:Fallback>
+        <mc:Fallback xmlns="">
           <p:sp>
             <p:nvSpPr>
               <p:cNvPr id="19" name="Textfeld 18">
@@ -12986,8 +12988,8 @@
           </p:sp>
         </mc:Fallback>
       </mc:AlternateContent>
-      <mc:AlternateContent xmlns:mc="http://schemas.openxmlformats.org/markup-compatibility/2006">
-        <mc:Choice xmlns:a14="http://schemas.microsoft.com/office/drawing/2010/main" Requires="a14">
+      <mc:AlternateContent xmlns:mc="http://schemas.openxmlformats.org/markup-compatibility/2006" xmlns:a14="http://schemas.microsoft.com/office/drawing/2010/main">
+        <mc:Choice Requires="a14">
           <p:sp>
             <p:nvSpPr>
               <p:cNvPr id="20" name="Textfeld 19">
@@ -13316,7 +13318,7 @@
             </p:txBody>
           </p:sp>
         </mc:Choice>
-        <mc:Fallback>
+        <mc:Fallback xmlns="">
           <p:sp>
             <p:nvSpPr>
               <p:cNvPr id="20" name="Textfeld 19">
@@ -13361,8 +13363,8 @@
           </p:sp>
         </mc:Fallback>
       </mc:AlternateContent>
-      <mc:AlternateContent xmlns:mc="http://schemas.openxmlformats.org/markup-compatibility/2006">
-        <mc:Choice xmlns:a14="http://schemas.microsoft.com/office/drawing/2010/main" Requires="a14">
+      <mc:AlternateContent xmlns:mc="http://schemas.openxmlformats.org/markup-compatibility/2006" xmlns:a14="http://schemas.microsoft.com/office/drawing/2010/main">
+        <mc:Choice Requires="a14">
           <p:sp>
             <p:nvSpPr>
               <p:cNvPr id="21" name="Textfeld 20">
@@ -13805,7 +13807,7 @@
             </p:txBody>
           </p:sp>
         </mc:Choice>
-        <mc:Fallback>
+        <mc:Fallback xmlns="">
           <p:sp>
             <p:nvSpPr>
               <p:cNvPr id="21" name="Textfeld 20">
@@ -13850,8 +13852,8 @@
           </p:sp>
         </mc:Fallback>
       </mc:AlternateContent>
-      <mc:AlternateContent xmlns:mc="http://schemas.openxmlformats.org/markup-compatibility/2006">
-        <mc:Choice xmlns:a14="http://schemas.microsoft.com/office/drawing/2010/main" Requires="a14">
+      <mc:AlternateContent xmlns:mc="http://schemas.openxmlformats.org/markup-compatibility/2006" xmlns:a14="http://schemas.microsoft.com/office/drawing/2010/main">
+        <mc:Choice Requires="a14">
           <p:sp>
             <p:nvSpPr>
               <p:cNvPr id="22" name="Textfeld 21">
@@ -14239,7 +14241,7 @@
             </p:txBody>
           </p:sp>
         </mc:Choice>
-        <mc:Fallback>
+        <mc:Fallback xmlns="">
           <p:sp>
             <p:nvSpPr>
               <p:cNvPr id="22" name="Textfeld 21">
@@ -14284,8 +14286,8 @@
           </p:sp>
         </mc:Fallback>
       </mc:AlternateContent>
-      <mc:AlternateContent xmlns:mc="http://schemas.openxmlformats.org/markup-compatibility/2006">
-        <mc:Choice xmlns:a14="http://schemas.microsoft.com/office/drawing/2010/main" Requires="a14">
+      <mc:AlternateContent xmlns:mc="http://schemas.openxmlformats.org/markup-compatibility/2006" xmlns:a14="http://schemas.microsoft.com/office/drawing/2010/main">
+        <mc:Choice Requires="a14">
           <p:sp>
             <p:nvSpPr>
               <p:cNvPr id="24" name="Textfeld 23">
@@ -14655,7 +14657,7 @@
             </p:txBody>
           </p:sp>
         </mc:Choice>
-        <mc:Fallback>
+        <mc:Fallback xmlns="">
           <p:sp>
             <p:nvSpPr>
               <p:cNvPr id="24" name="Textfeld 23">
@@ -14700,8 +14702,8 @@
           </p:sp>
         </mc:Fallback>
       </mc:AlternateContent>
-      <mc:AlternateContent xmlns:mc="http://schemas.openxmlformats.org/markup-compatibility/2006">
-        <mc:Choice xmlns:a14="http://schemas.microsoft.com/office/drawing/2010/main" Requires="a14">
+      <mc:AlternateContent xmlns:mc="http://schemas.openxmlformats.org/markup-compatibility/2006" xmlns:a14="http://schemas.microsoft.com/office/drawing/2010/main">
+        <mc:Choice Requires="a14">
           <p:sp>
             <p:nvSpPr>
               <p:cNvPr id="23" name="Textfeld 22">
@@ -14953,13 +14955,12 @@
                 <a:endParaRPr lang="de-DE" dirty="0"/>
               </a:p>
               <a:p>
-                <a:pPr/>
                 <a:endParaRPr lang="de-DE" dirty="0"/>
               </a:p>
             </p:txBody>
           </p:sp>
         </mc:Choice>
-        <mc:Fallback>
+        <mc:Fallback xmlns="">
           <p:sp>
             <p:nvSpPr>
               <p:cNvPr id="23" name="Textfeld 22">
@@ -15115,8 +15116,8 @@
           </a:p>
         </p:txBody>
       </p:sp>
-      <mc:AlternateContent xmlns:mc="http://schemas.openxmlformats.org/markup-compatibility/2006">
-        <mc:Choice xmlns:a14="http://schemas.microsoft.com/office/drawing/2010/main" Requires="a14">
+      <mc:AlternateContent xmlns:mc="http://schemas.openxmlformats.org/markup-compatibility/2006" xmlns:a14="http://schemas.microsoft.com/office/drawing/2010/main">
+        <mc:Choice Requires="a14">
           <p:sp>
             <p:nvSpPr>
               <p:cNvPr id="17" name="Textfeld 16">
@@ -15437,7 +15438,7 @@
             </p:txBody>
           </p:sp>
         </mc:Choice>
-        <mc:Fallback>
+        <mc:Fallback xmlns="">
           <p:sp>
             <p:nvSpPr>
               <p:cNvPr id="17" name="Textfeld 16">
@@ -16912,8 +16913,8 @@
           </p:sp>
         </mc:Fallback>
       </mc:AlternateContent>
-      <mc:AlternateContent xmlns:mc="http://schemas.openxmlformats.org/markup-compatibility/2006">
-        <mc:Choice xmlns:a14="http://schemas.microsoft.com/office/drawing/2010/main" Requires="a14">
+      <mc:AlternateContent xmlns:mc="http://schemas.openxmlformats.org/markup-compatibility/2006" xmlns:a14="http://schemas.microsoft.com/office/drawing/2010/main">
+        <mc:Choice Requires="a14">
           <p:sp>
             <p:nvSpPr>
               <p:cNvPr id="19" name="Textfeld 18">
@@ -17496,13 +17497,12 @@
                 <a:endParaRPr lang="de-DE" dirty="0"/>
               </a:p>
               <a:p>
-                <a:pPr/>
                 <a:endParaRPr lang="de-DE" dirty="0"/>
               </a:p>
             </p:txBody>
           </p:sp>
         </mc:Choice>
-        <mc:Fallback>
+        <mc:Fallback xmlns="">
           <p:sp>
             <p:nvSpPr>
               <p:cNvPr id="19" name="Textfeld 18">
@@ -17764,6 +17764,45 @@
           </p:txBody>
         </p:sp>
       </p:grpSp>
+      <p:sp>
+        <p:nvSpPr>
+          <p:cNvPr id="15" name="Textfeld 14">
+            <a:extLst>
+              <a:ext uri="{FF2B5EF4-FFF2-40B4-BE49-F238E27FC236}">
+                <a16:creationId xmlns:a16="http://schemas.microsoft.com/office/drawing/2014/main" id="{400A0464-537B-4451-9DC3-A173A60AF0E5}"/>
+              </a:ext>
+            </a:extLst>
+          </p:cNvPr>
+          <p:cNvSpPr txBox="1"/>
+          <p:nvPr/>
+        </p:nvSpPr>
+        <p:spPr>
+          <a:xfrm>
+            <a:off x="4267860" y="3358851"/>
+            <a:ext cx="518091" cy="369332"/>
+          </a:xfrm>
+          <a:prstGeom prst="rect">
+            <a:avLst/>
+          </a:prstGeom>
+          <a:noFill/>
+        </p:spPr>
+        <p:txBody>
+          <a:bodyPr wrap="none" rtlCol="0">
+            <a:spAutoFit/>
+          </a:bodyPr>
+          <a:lstStyle/>
+          <a:p>
+            <a:r>
+              <a:rPr lang="de-DE" dirty="0">
+                <a:solidFill>
+                  <a:srgbClr val="FF0000"/>
+                </a:solidFill>
+              </a:rPr>
+              <a:t>x P</a:t>
+            </a:r>
+          </a:p>
+        </p:txBody>
+      </p:sp>
     </p:spTree>
     <p:extLst>
       <p:ext uri="{BB962C8B-B14F-4D97-AF65-F5344CB8AC3E}">
@@ -17778,6 +17817,2114 @@
 </file>
 
 <file path=ppt/slides/slide12.xml><?xml version="1.0" encoding="utf-8"?>
+<p:sld xmlns:a="http://schemas.openxmlformats.org/drawingml/2006/main" xmlns:r="http://schemas.openxmlformats.org/officeDocument/2006/relationships" xmlns:p="http://schemas.openxmlformats.org/presentationml/2006/main">
+  <p:cSld>
+    <p:spTree>
+      <p:nvGrpSpPr>
+        <p:cNvPr id="1" name=""/>
+        <p:cNvGrpSpPr/>
+        <p:nvPr/>
+      </p:nvGrpSpPr>
+      <p:grpSpPr>
+        <a:xfrm>
+          <a:off x="0" y="0"/>
+          <a:ext cx="0" cy="0"/>
+          <a:chOff x="0" y="0"/>
+          <a:chExt cx="0" cy="0"/>
+        </a:xfrm>
+      </p:grpSpPr>
+      <p:sp>
+        <p:nvSpPr>
+          <p:cNvPr id="2" name="Titel 1">
+            <a:extLst>
+              <a:ext uri="{FF2B5EF4-FFF2-40B4-BE49-F238E27FC236}">
+                <a16:creationId xmlns:a16="http://schemas.microsoft.com/office/drawing/2014/main" id="{09A89B63-0DFA-4ABA-A268-29698C051697}"/>
+              </a:ext>
+            </a:extLst>
+          </p:cNvPr>
+          <p:cNvSpPr>
+            <a:spLocks noGrp="1"/>
+          </p:cNvSpPr>
+          <p:nvPr>
+            <p:ph type="title"/>
+          </p:nvPr>
+        </p:nvSpPr>
+        <p:spPr/>
+        <p:txBody>
+          <a:bodyPr>
+            <a:normAutofit/>
+          </a:bodyPr>
+          <a:lstStyle/>
+          <a:p>
+            <a:r>
+              <a:rPr lang="de-DE" sz="4000" dirty="0"/>
+              <a:t>Das Single Layer </a:t>
+            </a:r>
+            <a:r>
+              <a:rPr lang="de-DE" sz="4000" dirty="0" err="1"/>
+              <a:t>Perceptron</a:t>
+            </a:r>
+            <a:endParaRPr lang="de-DE" sz="4000" dirty="0"/>
+          </a:p>
+        </p:txBody>
+      </p:sp>
+      <p:grpSp>
+        <p:nvGrpSpPr>
+          <p:cNvPr id="3" name="Gruppieren 2">
+            <a:extLst>
+              <a:ext uri="{FF2B5EF4-FFF2-40B4-BE49-F238E27FC236}">
+                <a16:creationId xmlns:a16="http://schemas.microsoft.com/office/drawing/2014/main" id="{482DD7B2-68D0-4207-A2BD-3E75D04FFFA5}"/>
+              </a:ext>
+            </a:extLst>
+          </p:cNvPr>
+          <p:cNvGrpSpPr/>
+          <p:nvPr/>
+        </p:nvGrpSpPr>
+        <p:grpSpPr>
+          <a:xfrm>
+            <a:off x="3308605" y="1515411"/>
+            <a:ext cx="5968106" cy="4125863"/>
+            <a:chOff x="801883" y="1657305"/>
+            <a:chExt cx="5968106" cy="4125863"/>
+          </a:xfrm>
+        </p:grpSpPr>
+        <p:grpSp>
+          <p:nvGrpSpPr>
+            <p:cNvPr id="29" name="Gruppieren 28">
+              <a:extLst>
+                <a:ext uri="{FF2B5EF4-FFF2-40B4-BE49-F238E27FC236}">
+                  <a16:creationId xmlns:a16="http://schemas.microsoft.com/office/drawing/2014/main" id="{56C17E33-A3C5-43CD-9C6E-2B2FAF0E16E1}"/>
+                </a:ext>
+              </a:extLst>
+            </p:cNvPr>
+            <p:cNvGrpSpPr/>
+            <p:nvPr/>
+          </p:nvGrpSpPr>
+          <p:grpSpPr>
+            <a:xfrm>
+              <a:off x="801883" y="1657305"/>
+              <a:ext cx="5968106" cy="3318005"/>
+              <a:chOff x="3575279" y="1676721"/>
+              <a:chExt cx="5968106" cy="3318005"/>
+            </a:xfrm>
+          </p:grpSpPr>
+          <p:grpSp>
+            <p:nvGrpSpPr>
+              <p:cNvPr id="30" name="Gruppieren 29">
+                <a:extLst>
+                  <a:ext uri="{FF2B5EF4-FFF2-40B4-BE49-F238E27FC236}">
+                    <a16:creationId xmlns:a16="http://schemas.microsoft.com/office/drawing/2014/main" id="{922D834F-A957-4C1F-9469-66B79ED90FF8}"/>
+                  </a:ext>
+                </a:extLst>
+              </p:cNvPr>
+              <p:cNvGrpSpPr/>
+              <p:nvPr/>
+            </p:nvGrpSpPr>
+            <p:grpSpPr>
+              <a:xfrm>
+                <a:off x="3575279" y="2550299"/>
+                <a:ext cx="5968106" cy="2444427"/>
+                <a:chOff x="2911045" y="2533046"/>
+                <a:chExt cx="5968106" cy="2444427"/>
+              </a:xfrm>
+            </p:grpSpPr>
+            <p:sp>
+              <p:nvSpPr>
+                <p:cNvPr id="34" name="Flussdiagramm: Verbinder 33">
+                  <a:extLst>
+                    <a:ext uri="{FF2B5EF4-FFF2-40B4-BE49-F238E27FC236}">
+                      <a16:creationId xmlns:a16="http://schemas.microsoft.com/office/drawing/2014/main" id="{1D08CBDC-2F7A-40CF-88D4-453CC1652E2A}"/>
+                    </a:ext>
+                  </a:extLst>
+                </p:cNvPr>
+                <p:cNvSpPr/>
+                <p:nvPr/>
+              </p:nvSpPr>
+              <p:spPr>
+                <a:xfrm>
+                  <a:off x="4845049" y="2538071"/>
+                  <a:ext cx="2501901" cy="2439402"/>
+                </a:xfrm>
+                <a:prstGeom prst="flowChartConnector">
+                  <a:avLst/>
+                </a:prstGeom>
+                <a:noFill/>
+              </p:spPr>
+              <p:style>
+                <a:lnRef idx="2">
+                  <a:schemeClr val="accent1">
+                    <a:shade val="50000"/>
+                  </a:schemeClr>
+                </a:lnRef>
+                <a:fillRef idx="1">
+                  <a:schemeClr val="accent1"/>
+                </a:fillRef>
+                <a:effectRef idx="0">
+                  <a:schemeClr val="accent1"/>
+                </a:effectRef>
+                <a:fontRef idx="minor">
+                  <a:schemeClr val="lt1"/>
+                </a:fontRef>
+              </p:style>
+              <p:txBody>
+                <a:bodyPr rtlCol="0" anchor="ctr"/>
+                <a:lstStyle/>
+                <a:p>
+                  <a:pPr algn="ctr"/>
+                  <a:r>
+                    <a:rPr lang="de-DE" dirty="0">
+                      <a:solidFill>
+                        <a:schemeClr val="tx2"/>
+                      </a:solidFill>
+                    </a:rPr>
+                    <a:t>z = X</a:t>
+                  </a:r>
+                  <a:r>
+                    <a:rPr lang="de-DE" baseline="-25000" dirty="0">
+                      <a:solidFill>
+                        <a:schemeClr val="tx2"/>
+                      </a:solidFill>
+                    </a:rPr>
+                    <a:t>1</a:t>
+                  </a:r>
+                  <a:r>
+                    <a:rPr lang="de-DE" dirty="0">
+                      <a:solidFill>
+                        <a:schemeClr val="tx2"/>
+                      </a:solidFill>
+                    </a:rPr>
+                    <a:t>*w</a:t>
+                  </a:r>
+                  <a:r>
+                    <a:rPr lang="de-DE" baseline="-25000" dirty="0">
+                      <a:solidFill>
+                        <a:schemeClr val="tx2"/>
+                      </a:solidFill>
+                    </a:rPr>
+                    <a:t>1</a:t>
+                  </a:r>
+                  <a:r>
+                    <a:rPr lang="de-DE" dirty="0">
+                      <a:solidFill>
+                        <a:schemeClr val="tx2"/>
+                      </a:solidFill>
+                    </a:rPr>
+                    <a:t> + X</a:t>
+                  </a:r>
+                  <a:r>
+                    <a:rPr lang="de-DE" baseline="-25000" dirty="0">
+                      <a:solidFill>
+                        <a:schemeClr val="tx2"/>
+                      </a:solidFill>
+                    </a:rPr>
+                    <a:t>2</a:t>
+                  </a:r>
+                  <a:r>
+                    <a:rPr lang="de-DE" dirty="0">
+                      <a:solidFill>
+                        <a:schemeClr val="tx2"/>
+                      </a:solidFill>
+                    </a:rPr>
+                    <a:t>*w</a:t>
+                  </a:r>
+                  <a:r>
+                    <a:rPr lang="de-DE" baseline="-25000" dirty="0">
+                      <a:solidFill>
+                        <a:schemeClr val="tx2"/>
+                      </a:solidFill>
+                    </a:rPr>
+                    <a:t>2</a:t>
+                  </a:r>
+                  <a:r>
+                    <a:rPr lang="de-DE" dirty="0">
+                      <a:solidFill>
+                        <a:schemeClr val="tx2"/>
+                      </a:solidFill>
+                    </a:rPr>
+                    <a:t> + … + </a:t>
+                  </a:r>
+                  <a:r>
+                    <a:rPr lang="de-DE" dirty="0" err="1">
+                      <a:solidFill>
+                        <a:schemeClr val="tx2"/>
+                      </a:solidFill>
+                    </a:rPr>
+                    <a:t>X</a:t>
+                  </a:r>
+                  <a:r>
+                    <a:rPr lang="de-DE" baseline="-25000" dirty="0" err="1">
+                      <a:solidFill>
+                        <a:schemeClr val="tx2"/>
+                      </a:solidFill>
+                    </a:rPr>
+                    <a:t>n</a:t>
+                  </a:r>
+                  <a:r>
+                    <a:rPr lang="de-DE" dirty="0">
+                      <a:solidFill>
+                        <a:schemeClr val="tx2"/>
+                      </a:solidFill>
+                    </a:rPr>
+                    <a:t>*</a:t>
+                  </a:r>
+                  <a:r>
+                    <a:rPr lang="de-DE" dirty="0" err="1">
+                      <a:solidFill>
+                        <a:schemeClr val="tx2"/>
+                      </a:solidFill>
+                    </a:rPr>
+                    <a:t>w</a:t>
+                  </a:r>
+                  <a:r>
+                    <a:rPr lang="de-DE" baseline="-25000" dirty="0" err="1">
+                      <a:solidFill>
+                        <a:schemeClr val="tx2"/>
+                      </a:solidFill>
+                    </a:rPr>
+                    <a:t>n</a:t>
+                  </a:r>
+                  <a:r>
+                    <a:rPr lang="de-DE" dirty="0">
+                      <a:solidFill>
+                        <a:schemeClr val="tx2"/>
+                      </a:solidFill>
+                    </a:rPr>
+                    <a:t> + b</a:t>
+                  </a:r>
+                  <a:br>
+                    <a:rPr lang="de-DE" dirty="0">
+                      <a:solidFill>
+                        <a:schemeClr val="tx2"/>
+                      </a:solidFill>
+                    </a:rPr>
+                  </a:br>
+                  <a:endParaRPr lang="de-DE" dirty="0">
+                    <a:solidFill>
+                      <a:schemeClr val="tx2"/>
+                    </a:solidFill>
+                  </a:endParaRPr>
+                </a:p>
+                <a:p>
+                  <a:pPr algn="ctr"/>
+                  <a:r>
+                    <a:rPr lang="de-DE" dirty="0">
+                      <a:solidFill>
+                        <a:schemeClr val="tx2"/>
+                      </a:solidFill>
+                    </a:rPr>
+                    <a:t>Y = z</a:t>
+                  </a:r>
+                </a:p>
+              </p:txBody>
+            </p:sp>
+            <p:cxnSp>
+              <p:nvCxnSpPr>
+                <p:cNvPr id="35" name="Gerade Verbindung mit Pfeil 34">
+                  <a:extLst>
+                    <a:ext uri="{FF2B5EF4-FFF2-40B4-BE49-F238E27FC236}">
+                      <a16:creationId xmlns:a16="http://schemas.microsoft.com/office/drawing/2014/main" id="{FB9385C3-109F-445F-9E6D-1D566206D618}"/>
+                    </a:ext>
+                  </a:extLst>
+                </p:cNvPr>
+                <p:cNvCxnSpPr>
+                  <a:cxnSpLocks/>
+                  <a:endCxn id="34" idx="1"/>
+                </p:cNvCxnSpPr>
+                <p:nvPr/>
+              </p:nvCxnSpPr>
+              <p:spPr>
+                <a:xfrm>
+                  <a:off x="3544971" y="2895313"/>
+                  <a:ext cx="1666473" cy="0"/>
+                </a:xfrm>
+                <a:prstGeom prst="straightConnector1">
+                  <a:avLst/>
+                </a:prstGeom>
+                <a:ln>
+                  <a:tailEnd type="triangle"/>
+                </a:ln>
+              </p:spPr>
+              <p:style>
+                <a:lnRef idx="1">
+                  <a:schemeClr val="accent1"/>
+                </a:lnRef>
+                <a:fillRef idx="0">
+                  <a:schemeClr val="accent1"/>
+                </a:fillRef>
+                <a:effectRef idx="0">
+                  <a:schemeClr val="accent1"/>
+                </a:effectRef>
+                <a:fontRef idx="minor">
+                  <a:schemeClr val="tx1"/>
+                </a:fontRef>
+              </p:style>
+            </p:cxnSp>
+            <p:cxnSp>
+              <p:nvCxnSpPr>
+                <p:cNvPr id="36" name="Gerade Verbindung mit Pfeil 35">
+                  <a:extLst>
+                    <a:ext uri="{FF2B5EF4-FFF2-40B4-BE49-F238E27FC236}">
+                      <a16:creationId xmlns:a16="http://schemas.microsoft.com/office/drawing/2014/main" id="{66267ED6-3028-454C-ADF5-CFE9C993018F}"/>
+                    </a:ext>
+                  </a:extLst>
+                </p:cNvPr>
+                <p:cNvCxnSpPr>
+                  <a:cxnSpLocks/>
+                </p:cNvCxnSpPr>
+                <p:nvPr/>
+              </p:nvCxnSpPr>
+              <p:spPr>
+                <a:xfrm>
+                  <a:off x="3544971" y="3629436"/>
+                  <a:ext cx="1300078" cy="0"/>
+                </a:xfrm>
+                <a:prstGeom prst="straightConnector1">
+                  <a:avLst/>
+                </a:prstGeom>
+                <a:ln>
+                  <a:tailEnd type="triangle"/>
+                </a:ln>
+              </p:spPr>
+              <p:style>
+                <a:lnRef idx="1">
+                  <a:schemeClr val="accent1"/>
+                </a:lnRef>
+                <a:fillRef idx="0">
+                  <a:schemeClr val="accent1"/>
+                </a:fillRef>
+                <a:effectRef idx="0">
+                  <a:schemeClr val="accent1"/>
+                </a:effectRef>
+                <a:fontRef idx="minor">
+                  <a:schemeClr val="tx1"/>
+                </a:fontRef>
+              </p:style>
+            </p:cxnSp>
+            <p:sp>
+              <p:nvSpPr>
+                <p:cNvPr id="37" name="Textfeld 36">
+                  <a:extLst>
+                    <a:ext uri="{FF2B5EF4-FFF2-40B4-BE49-F238E27FC236}">
+                      <a16:creationId xmlns:a16="http://schemas.microsoft.com/office/drawing/2014/main" id="{8B672BE0-3AFC-4161-9E24-AE69DCE5039B}"/>
+                    </a:ext>
+                  </a:extLst>
+                </p:cNvPr>
+                <p:cNvSpPr txBox="1"/>
+                <p:nvPr/>
+              </p:nvSpPr>
+              <p:spPr>
+                <a:xfrm>
+                  <a:off x="2940859" y="2710647"/>
+                  <a:ext cx="436338" cy="369332"/>
+                </a:xfrm>
+                <a:prstGeom prst="rect">
+                  <a:avLst/>
+                </a:prstGeom>
+                <a:noFill/>
+              </p:spPr>
+              <p:txBody>
+                <a:bodyPr wrap="square" rtlCol="0">
+                  <a:spAutoFit/>
+                </a:bodyPr>
+                <a:lstStyle/>
+                <a:p>
+                  <a:r>
+                    <a:rPr lang="de-DE" dirty="0"/>
+                    <a:t>X</a:t>
+                  </a:r>
+                  <a:r>
+                    <a:rPr lang="de-DE" baseline="-25000" dirty="0"/>
+                    <a:t>1</a:t>
+                  </a:r>
+                </a:p>
+              </p:txBody>
+            </p:sp>
+            <p:sp>
+              <p:nvSpPr>
+                <p:cNvPr id="38" name="Textfeld 37">
+                  <a:extLst>
+                    <a:ext uri="{FF2B5EF4-FFF2-40B4-BE49-F238E27FC236}">
+                      <a16:creationId xmlns:a16="http://schemas.microsoft.com/office/drawing/2014/main" id="{BD9AD85C-F772-47FF-8AD5-9E01BB092903}"/>
+                    </a:ext>
+                  </a:extLst>
+                </p:cNvPr>
+                <p:cNvSpPr txBox="1"/>
+                <p:nvPr/>
+              </p:nvSpPr>
+              <p:spPr>
+                <a:xfrm>
+                  <a:off x="2940859" y="3444770"/>
+                  <a:ext cx="436338" cy="369332"/>
+                </a:xfrm>
+                <a:prstGeom prst="rect">
+                  <a:avLst/>
+                </a:prstGeom>
+                <a:noFill/>
+              </p:spPr>
+              <p:txBody>
+                <a:bodyPr wrap="square" rtlCol="0">
+                  <a:spAutoFit/>
+                </a:bodyPr>
+                <a:lstStyle/>
+                <a:p>
+                  <a:r>
+                    <a:rPr lang="de-DE" dirty="0"/>
+                    <a:t>X</a:t>
+                  </a:r>
+                  <a:r>
+                    <a:rPr lang="de-DE" baseline="-25000" dirty="0"/>
+                    <a:t>2</a:t>
+                  </a:r>
+                </a:p>
+              </p:txBody>
+            </p:sp>
+            <p:sp>
+              <p:nvSpPr>
+                <p:cNvPr id="39" name="Textfeld 38">
+                  <a:extLst>
+                    <a:ext uri="{FF2B5EF4-FFF2-40B4-BE49-F238E27FC236}">
+                      <a16:creationId xmlns:a16="http://schemas.microsoft.com/office/drawing/2014/main" id="{E80D13F3-BB6D-4495-87C6-E231A3CF92F5}"/>
+                    </a:ext>
+                  </a:extLst>
+                </p:cNvPr>
+                <p:cNvSpPr txBox="1"/>
+                <p:nvPr/>
+              </p:nvSpPr>
+              <p:spPr>
+                <a:xfrm>
+                  <a:off x="4017479" y="2533046"/>
+                  <a:ext cx="500458" cy="369332"/>
+                </a:xfrm>
+                <a:prstGeom prst="rect">
+                  <a:avLst/>
+                </a:prstGeom>
+                <a:noFill/>
+              </p:spPr>
+              <p:txBody>
+                <a:bodyPr wrap="square" rtlCol="0">
+                  <a:spAutoFit/>
+                </a:bodyPr>
+                <a:lstStyle/>
+                <a:p>
+                  <a:r>
+                    <a:rPr lang="de-DE" dirty="0"/>
+                    <a:t>w</a:t>
+                  </a:r>
+                  <a:r>
+                    <a:rPr lang="de-DE" baseline="-25000" dirty="0"/>
+                    <a:t>1</a:t>
+                  </a:r>
+                </a:p>
+              </p:txBody>
+            </p:sp>
+            <p:sp>
+              <p:nvSpPr>
+                <p:cNvPr id="40" name="Textfeld 39">
+                  <a:extLst>
+                    <a:ext uri="{FF2B5EF4-FFF2-40B4-BE49-F238E27FC236}">
+                      <a16:creationId xmlns:a16="http://schemas.microsoft.com/office/drawing/2014/main" id="{9AA6C948-5F4C-4C36-BF2D-D745EF911E64}"/>
+                    </a:ext>
+                  </a:extLst>
+                </p:cNvPr>
+                <p:cNvSpPr txBox="1"/>
+                <p:nvPr/>
+              </p:nvSpPr>
+              <p:spPr>
+                <a:xfrm>
+                  <a:off x="4017479" y="3267168"/>
+                  <a:ext cx="500458" cy="369332"/>
+                </a:xfrm>
+                <a:prstGeom prst="rect">
+                  <a:avLst/>
+                </a:prstGeom>
+                <a:noFill/>
+              </p:spPr>
+              <p:txBody>
+                <a:bodyPr wrap="square" rtlCol="0">
+                  <a:spAutoFit/>
+                </a:bodyPr>
+                <a:lstStyle/>
+                <a:p>
+                  <a:r>
+                    <a:rPr lang="de-DE" dirty="0"/>
+                    <a:t>w</a:t>
+                  </a:r>
+                  <a:r>
+                    <a:rPr lang="de-DE" baseline="-25000" dirty="0"/>
+                    <a:t>2</a:t>
+                  </a:r>
+                </a:p>
+              </p:txBody>
+            </p:sp>
+            <p:cxnSp>
+              <p:nvCxnSpPr>
+                <p:cNvPr id="41" name="Gerade Verbindung mit Pfeil 40">
+                  <a:extLst>
+                    <a:ext uri="{FF2B5EF4-FFF2-40B4-BE49-F238E27FC236}">
+                      <a16:creationId xmlns:a16="http://schemas.microsoft.com/office/drawing/2014/main" id="{C2712335-C02C-4F56-BBD2-2406453C6A21}"/>
+                    </a:ext>
+                  </a:extLst>
+                </p:cNvPr>
+                <p:cNvCxnSpPr>
+                  <a:cxnSpLocks/>
+                  <a:stCxn id="34" idx="6"/>
+                </p:cNvCxnSpPr>
+                <p:nvPr/>
+              </p:nvCxnSpPr>
+              <p:spPr>
+                <a:xfrm>
+                  <a:off x="7346950" y="3757772"/>
+                  <a:ext cx="1235242" cy="7064"/>
+                </a:xfrm>
+                <a:prstGeom prst="straightConnector1">
+                  <a:avLst/>
+                </a:prstGeom>
+                <a:ln>
+                  <a:tailEnd type="triangle"/>
+                </a:ln>
+              </p:spPr>
+              <p:style>
+                <a:lnRef idx="1">
+                  <a:schemeClr val="accent1"/>
+                </a:lnRef>
+                <a:fillRef idx="0">
+                  <a:schemeClr val="accent1"/>
+                </a:fillRef>
+                <a:effectRef idx="0">
+                  <a:schemeClr val="accent1"/>
+                </a:effectRef>
+                <a:fontRef idx="minor">
+                  <a:schemeClr val="tx1"/>
+                </a:fontRef>
+              </p:style>
+            </p:cxnSp>
+            <p:sp>
+              <p:nvSpPr>
+                <p:cNvPr id="42" name="Textfeld 41">
+                  <a:extLst>
+                    <a:ext uri="{FF2B5EF4-FFF2-40B4-BE49-F238E27FC236}">
+                      <a16:creationId xmlns:a16="http://schemas.microsoft.com/office/drawing/2014/main" id="{29B9E2BB-20DD-4082-B64C-65D65F351DC9}"/>
+                    </a:ext>
+                  </a:extLst>
+                </p:cNvPr>
+                <p:cNvSpPr txBox="1"/>
+                <p:nvPr/>
+              </p:nvSpPr>
+              <p:spPr>
+                <a:xfrm>
+                  <a:off x="8540597" y="3585066"/>
+                  <a:ext cx="338554" cy="369332"/>
+                </a:xfrm>
+                <a:prstGeom prst="rect">
+                  <a:avLst/>
+                </a:prstGeom>
+                <a:noFill/>
+              </p:spPr>
+              <p:txBody>
+                <a:bodyPr wrap="none" rtlCol="0">
+                  <a:spAutoFit/>
+                </a:bodyPr>
+                <a:lstStyle/>
+                <a:p>
+                  <a:r>
+                    <a:rPr lang="de-DE" dirty="0"/>
+                    <a:t>Y</a:t>
+                  </a:r>
+                </a:p>
+              </p:txBody>
+            </p:sp>
+            <p:cxnSp>
+              <p:nvCxnSpPr>
+                <p:cNvPr id="45" name="Gerade Verbindung mit Pfeil 44">
+                  <a:extLst>
+                    <a:ext uri="{FF2B5EF4-FFF2-40B4-BE49-F238E27FC236}">
+                      <a16:creationId xmlns:a16="http://schemas.microsoft.com/office/drawing/2014/main" id="{C0A136CD-F0B5-4ECD-8086-50760E0DE53F}"/>
+                    </a:ext>
+                  </a:extLst>
+                </p:cNvPr>
+                <p:cNvCxnSpPr>
+                  <a:cxnSpLocks/>
+                </p:cNvCxnSpPr>
+                <p:nvPr/>
+              </p:nvCxnSpPr>
+              <p:spPr>
+                <a:xfrm>
+                  <a:off x="3554292" y="4670948"/>
+                  <a:ext cx="1638776" cy="0"/>
+                </a:xfrm>
+                <a:prstGeom prst="straightConnector1">
+                  <a:avLst/>
+                </a:prstGeom>
+                <a:ln>
+                  <a:tailEnd type="triangle"/>
+                </a:ln>
+              </p:spPr>
+              <p:style>
+                <a:lnRef idx="1">
+                  <a:schemeClr val="accent1"/>
+                </a:lnRef>
+                <a:fillRef idx="0">
+                  <a:schemeClr val="accent1"/>
+                </a:fillRef>
+                <a:effectRef idx="0">
+                  <a:schemeClr val="accent1"/>
+                </a:effectRef>
+                <a:fontRef idx="minor">
+                  <a:schemeClr val="tx1"/>
+                </a:fontRef>
+              </p:style>
+            </p:cxnSp>
+            <p:sp>
+              <p:nvSpPr>
+                <p:cNvPr id="46" name="Textfeld 45">
+                  <a:extLst>
+                    <a:ext uri="{FF2B5EF4-FFF2-40B4-BE49-F238E27FC236}">
+                      <a16:creationId xmlns:a16="http://schemas.microsoft.com/office/drawing/2014/main" id="{BDE6FF44-2818-4018-8AAA-267859E09982}"/>
+                    </a:ext>
+                  </a:extLst>
+                </p:cNvPr>
+                <p:cNvSpPr txBox="1"/>
+                <p:nvPr/>
+              </p:nvSpPr>
+              <p:spPr>
+                <a:xfrm>
+                  <a:off x="2911045" y="4486282"/>
+                  <a:ext cx="531028" cy="369332"/>
+                </a:xfrm>
+                <a:prstGeom prst="rect">
+                  <a:avLst/>
+                </a:prstGeom>
+                <a:noFill/>
+              </p:spPr>
+              <p:txBody>
+                <a:bodyPr wrap="square" rtlCol="0">
+                  <a:spAutoFit/>
+                </a:bodyPr>
+                <a:lstStyle/>
+                <a:p>
+                  <a:r>
+                    <a:rPr lang="de-DE" dirty="0" err="1"/>
+                    <a:t>X</a:t>
+                  </a:r>
+                  <a:r>
+                    <a:rPr lang="de-DE" baseline="-25000" dirty="0" err="1"/>
+                    <a:t>n</a:t>
+                  </a:r>
+                  <a:endParaRPr lang="de-DE" baseline="-25000" dirty="0"/>
+                </a:p>
+              </p:txBody>
+            </p:sp>
+            <p:sp>
+              <p:nvSpPr>
+                <p:cNvPr id="48" name="Textfeld 47">
+                  <a:extLst>
+                    <a:ext uri="{FF2B5EF4-FFF2-40B4-BE49-F238E27FC236}">
+                      <a16:creationId xmlns:a16="http://schemas.microsoft.com/office/drawing/2014/main" id="{186F39CC-29A7-4C9F-9AFE-EC8C52C4FBBB}"/>
+                    </a:ext>
+                  </a:extLst>
+                </p:cNvPr>
+                <p:cNvSpPr txBox="1"/>
+                <p:nvPr/>
+              </p:nvSpPr>
+              <p:spPr>
+                <a:xfrm>
+                  <a:off x="4192439" y="4276375"/>
+                  <a:ext cx="706935" cy="369332"/>
+                </a:xfrm>
+                <a:prstGeom prst="rect">
+                  <a:avLst/>
+                </a:prstGeom>
+                <a:noFill/>
+              </p:spPr>
+              <p:txBody>
+                <a:bodyPr wrap="square" rtlCol="0">
+                  <a:spAutoFit/>
+                </a:bodyPr>
+                <a:lstStyle/>
+                <a:p>
+                  <a:r>
+                    <a:rPr lang="de-DE" dirty="0" err="1"/>
+                    <a:t>w</a:t>
+                  </a:r>
+                  <a:r>
+                    <a:rPr lang="de-DE" baseline="-25000" dirty="0" err="1"/>
+                    <a:t>n</a:t>
+                  </a:r>
+                  <a:endParaRPr lang="de-DE" baseline="-25000" dirty="0"/>
+                </a:p>
+              </p:txBody>
+            </p:sp>
+            <p:sp>
+              <p:nvSpPr>
+                <p:cNvPr id="49" name="Textfeld 48">
+                  <a:extLst>
+                    <a:ext uri="{FF2B5EF4-FFF2-40B4-BE49-F238E27FC236}">
+                      <a16:creationId xmlns:a16="http://schemas.microsoft.com/office/drawing/2014/main" id="{F858871F-F2CE-46C9-A60B-B68A81841069}"/>
+                    </a:ext>
+                  </a:extLst>
+                </p:cNvPr>
+                <p:cNvSpPr txBox="1"/>
+                <p:nvPr/>
+              </p:nvSpPr>
+              <p:spPr>
+                <a:xfrm>
+                  <a:off x="4029807" y="3769732"/>
+                  <a:ext cx="415498" cy="369332"/>
+                </a:xfrm>
+                <a:prstGeom prst="rect">
+                  <a:avLst/>
+                </a:prstGeom>
+                <a:noFill/>
+              </p:spPr>
+              <p:txBody>
+                <a:bodyPr wrap="square" rtlCol="0">
+                  <a:spAutoFit/>
+                </a:bodyPr>
+                <a:lstStyle/>
+                <a:p>
+                  <a:r>
+                    <a:rPr lang="de-DE" dirty="0"/>
+                    <a:t>…</a:t>
+                  </a:r>
+                  <a:endParaRPr lang="de-DE" baseline="-25000" dirty="0"/>
+                </a:p>
+              </p:txBody>
+            </p:sp>
+          </p:grpSp>
+          <p:sp>
+            <p:nvSpPr>
+              <p:cNvPr id="31" name="Geschweifte Klammer rechts 30">
+                <a:extLst>
+                  <a:ext uri="{FF2B5EF4-FFF2-40B4-BE49-F238E27FC236}">
+                    <a16:creationId xmlns:a16="http://schemas.microsoft.com/office/drawing/2014/main" id="{307C25A1-07F6-42FA-BF65-E3BB39649234}"/>
+                  </a:ext>
+                </a:extLst>
+              </p:cNvPr>
+              <p:cNvSpPr/>
+              <p:nvPr/>
+            </p:nvSpPr>
+            <p:spPr>
+              <a:xfrm rot="16200000">
+                <a:off x="6564290" y="1192178"/>
+                <a:ext cx="391886" cy="2133602"/>
+              </a:xfrm>
+              <a:prstGeom prst="rightBrace">
+                <a:avLst/>
+              </a:prstGeom>
+            </p:spPr>
+            <p:style>
+              <a:lnRef idx="1">
+                <a:schemeClr val="accent1"/>
+              </a:lnRef>
+              <a:fillRef idx="0">
+                <a:schemeClr val="accent1"/>
+              </a:fillRef>
+              <a:effectRef idx="0">
+                <a:schemeClr val="accent1"/>
+              </a:effectRef>
+              <a:fontRef idx="minor">
+                <a:schemeClr val="tx1"/>
+              </a:fontRef>
+            </p:style>
+            <p:txBody>
+              <a:bodyPr rtlCol="0" anchor="ctr"/>
+              <a:lstStyle/>
+              <a:p>
+                <a:pPr algn="ctr"/>
+                <a:endParaRPr lang="de-DE"/>
+              </a:p>
+            </p:txBody>
+          </p:sp>
+          <p:sp>
+            <p:nvSpPr>
+              <p:cNvPr id="33" name="Textfeld 32">
+                <a:extLst>
+                  <a:ext uri="{FF2B5EF4-FFF2-40B4-BE49-F238E27FC236}">
+                    <a16:creationId xmlns:a16="http://schemas.microsoft.com/office/drawing/2014/main" id="{CCC60BE2-CB75-47D7-95C7-76049333BCB7}"/>
+                  </a:ext>
+                </a:extLst>
+              </p:cNvPr>
+              <p:cNvSpPr txBox="1"/>
+              <p:nvPr/>
+            </p:nvSpPr>
+            <p:spPr>
+              <a:xfrm>
+                <a:off x="6456303" y="1676721"/>
+                <a:ext cx="607859" cy="369332"/>
+              </a:xfrm>
+              <a:prstGeom prst="rect">
+                <a:avLst/>
+              </a:prstGeom>
+              <a:noFill/>
+            </p:spPr>
+            <p:txBody>
+              <a:bodyPr wrap="none" rtlCol="0">
+                <a:spAutoFit/>
+              </a:bodyPr>
+              <a:lstStyle/>
+              <a:p>
+                <a:r>
+                  <a:rPr lang="de-DE" dirty="0"/>
+                  <a:t>p(x)</a:t>
+                </a:r>
+              </a:p>
+            </p:txBody>
+          </p:sp>
+        </p:grpSp>
+        <p:grpSp>
+          <p:nvGrpSpPr>
+            <p:cNvPr id="8" name="Gruppieren 7">
+              <a:extLst>
+                <a:ext uri="{FF2B5EF4-FFF2-40B4-BE49-F238E27FC236}">
+                  <a16:creationId xmlns:a16="http://schemas.microsoft.com/office/drawing/2014/main" id="{EE00BCCA-43F6-4F12-A92A-96F13F072392}"/>
+                </a:ext>
+              </a:extLst>
+            </p:cNvPr>
+            <p:cNvGrpSpPr/>
+            <p:nvPr/>
+          </p:nvGrpSpPr>
+          <p:grpSpPr>
+            <a:xfrm>
+              <a:off x="1961229" y="4881936"/>
+              <a:ext cx="1510931" cy="901232"/>
+              <a:chOff x="1961229" y="4881936"/>
+              <a:chExt cx="1510931" cy="901232"/>
+            </a:xfrm>
+          </p:grpSpPr>
+          <p:cxnSp>
+            <p:nvCxnSpPr>
+              <p:cNvPr id="44" name="Gerade Verbindung mit Pfeil 43">
+                <a:extLst>
+                  <a:ext uri="{FF2B5EF4-FFF2-40B4-BE49-F238E27FC236}">
+                    <a16:creationId xmlns:a16="http://schemas.microsoft.com/office/drawing/2014/main" id="{D351BE8F-27EC-43B4-A511-4A0A314F598D}"/>
+                  </a:ext>
+                </a:extLst>
+              </p:cNvPr>
+              <p:cNvCxnSpPr>
+                <a:cxnSpLocks/>
+              </p:cNvCxnSpPr>
+              <p:nvPr/>
+            </p:nvCxnSpPr>
+            <p:spPr>
+              <a:xfrm flipV="1">
+                <a:off x="1961229" y="4881936"/>
+                <a:ext cx="1510931" cy="901232"/>
+              </a:xfrm>
+              <a:prstGeom prst="straightConnector1">
+                <a:avLst/>
+              </a:prstGeom>
+              <a:ln>
+                <a:tailEnd type="triangle"/>
+              </a:ln>
+            </p:spPr>
+            <p:style>
+              <a:lnRef idx="1">
+                <a:schemeClr val="accent1"/>
+              </a:lnRef>
+              <a:fillRef idx="0">
+                <a:schemeClr val="accent1"/>
+              </a:fillRef>
+              <a:effectRef idx="0">
+                <a:schemeClr val="accent1"/>
+              </a:effectRef>
+              <a:fontRef idx="minor">
+                <a:schemeClr val="tx1"/>
+              </a:fontRef>
+            </p:style>
+          </p:cxnSp>
+          <p:sp>
+            <p:nvSpPr>
+              <p:cNvPr id="47" name="Textfeld 46">
+                <a:extLst>
+                  <a:ext uri="{FF2B5EF4-FFF2-40B4-BE49-F238E27FC236}">
+                    <a16:creationId xmlns:a16="http://schemas.microsoft.com/office/drawing/2014/main" id="{31DF0AED-8BF5-438C-8DAD-BD441A1E626D}"/>
+                  </a:ext>
+                </a:extLst>
+              </p:cNvPr>
+              <p:cNvSpPr txBox="1"/>
+              <p:nvPr/>
+            </p:nvSpPr>
+            <p:spPr>
+              <a:xfrm>
+                <a:off x="2202562" y="5147886"/>
+                <a:ext cx="338554" cy="369332"/>
+              </a:xfrm>
+              <a:prstGeom prst="rect">
+                <a:avLst/>
+              </a:prstGeom>
+              <a:noFill/>
+            </p:spPr>
+            <p:txBody>
+              <a:bodyPr wrap="square" rtlCol="0">
+                <a:spAutoFit/>
+              </a:bodyPr>
+              <a:lstStyle/>
+              <a:p>
+                <a:r>
+                  <a:rPr lang="de-DE" dirty="0"/>
+                  <a:t>b</a:t>
+                </a:r>
+              </a:p>
+            </p:txBody>
+          </p:sp>
+        </p:grpSp>
+      </p:grpSp>
+      <p:grpSp>
+        <p:nvGrpSpPr>
+          <p:cNvPr id="10" name="Gruppieren 9">
+            <a:extLst>
+              <a:ext uri="{FF2B5EF4-FFF2-40B4-BE49-F238E27FC236}">
+                <a16:creationId xmlns:a16="http://schemas.microsoft.com/office/drawing/2014/main" id="{2A2E9981-2CF9-400E-833F-D6F9F13ACF12}"/>
+              </a:ext>
+            </a:extLst>
+          </p:cNvPr>
+          <p:cNvGrpSpPr/>
+          <p:nvPr/>
+        </p:nvGrpSpPr>
+        <p:grpSpPr>
+          <a:xfrm>
+            <a:off x="5772436" y="4942928"/>
+            <a:ext cx="3499323" cy="1600835"/>
+            <a:chOff x="3265714" y="5147886"/>
+            <a:chExt cx="3499323" cy="1600835"/>
+          </a:xfrm>
+        </p:grpSpPr>
+        <p:grpSp>
+          <p:nvGrpSpPr>
+            <p:cNvPr id="7" name="Gruppieren 6">
+              <a:extLst>
+                <a:ext uri="{FF2B5EF4-FFF2-40B4-BE49-F238E27FC236}">
+                  <a16:creationId xmlns:a16="http://schemas.microsoft.com/office/drawing/2014/main" id="{07DA539E-B5E8-45CF-8104-434DC7360F1E}"/>
+                </a:ext>
+              </a:extLst>
+            </p:cNvPr>
+            <p:cNvGrpSpPr/>
+            <p:nvPr/>
+          </p:nvGrpSpPr>
+          <p:grpSpPr>
+            <a:xfrm>
+              <a:off x="4382683" y="5147886"/>
+              <a:ext cx="2382354" cy="1600835"/>
+              <a:chOff x="3682907" y="5075712"/>
+              <a:chExt cx="2451789" cy="1603974"/>
+            </a:xfrm>
+          </p:grpSpPr>
+          <p:pic>
+            <p:nvPicPr>
+              <p:cNvPr id="24" name="Picture 12">
+                <a:extLst>
+                  <a:ext uri="{FF2B5EF4-FFF2-40B4-BE49-F238E27FC236}">
+                    <a16:creationId xmlns:a16="http://schemas.microsoft.com/office/drawing/2014/main" id="{AF1F49E8-1ABA-4831-BF50-F37B2F9237F4}"/>
+                  </a:ext>
+                </a:extLst>
+              </p:cNvPr>
+              <p:cNvPicPr>
+                <a:picLocks noChangeAspect="1" noChangeArrowheads="1"/>
+              </p:cNvPicPr>
+              <p:nvPr/>
+            </p:nvPicPr>
+            <p:blipFill rotWithShape="1">
+              <a:blip r:embed="rId2">
+                <a:extLst>
+                  <a:ext uri="{28A0092B-C50C-407E-A947-70E740481C1C}">
+                    <a14:useLocalDpi xmlns:a14="http://schemas.microsoft.com/office/drawing/2010/main" val="0"/>
+                  </a:ext>
+                </a:extLst>
+              </a:blip>
+              <a:srcRect l="5181" b="9217"/>
+              <a:stretch/>
+            </p:blipFill>
+            <p:spPr bwMode="auto">
+              <a:xfrm>
+                <a:off x="3682907" y="5075712"/>
+                <a:ext cx="2451789" cy="1603974"/>
+              </a:xfrm>
+              <a:prstGeom prst="rect">
+                <a:avLst/>
+              </a:prstGeom>
+              <a:noFill/>
+              <a:extLst>
+                <a:ext uri="{909E8E84-426E-40DD-AFC4-6F175D3DCCD1}">
+                  <a14:hiddenFill xmlns:a14="http://schemas.microsoft.com/office/drawing/2010/main">
+                    <a:solidFill>
+                      <a:srgbClr val="FFFFFF"/>
+                    </a:solidFill>
+                  </a14:hiddenFill>
+                </a:ext>
+              </a:extLst>
+            </p:spPr>
+          </p:pic>
+          <p:cxnSp>
+            <p:nvCxnSpPr>
+              <p:cNvPr id="25" name="Gerader Verbinder 24">
+                <a:extLst>
+                  <a:ext uri="{FF2B5EF4-FFF2-40B4-BE49-F238E27FC236}">
+                    <a16:creationId xmlns:a16="http://schemas.microsoft.com/office/drawing/2014/main" id="{06D65518-4D35-4F9B-8810-0E14BD1938F9}"/>
+                  </a:ext>
+                </a:extLst>
+              </p:cNvPr>
+              <p:cNvCxnSpPr>
+                <a:cxnSpLocks/>
+              </p:cNvCxnSpPr>
+              <p:nvPr/>
+            </p:nvCxnSpPr>
+            <p:spPr>
+              <a:xfrm flipV="1">
+                <a:off x="3873500" y="5200695"/>
+                <a:ext cx="1981909" cy="1292180"/>
+              </a:xfrm>
+              <a:prstGeom prst="line">
+                <a:avLst/>
+              </a:prstGeom>
+              <a:ln>
+                <a:solidFill>
+                  <a:srgbClr val="FF0000"/>
+                </a:solidFill>
+              </a:ln>
+            </p:spPr>
+            <p:style>
+              <a:lnRef idx="1">
+                <a:schemeClr val="accent1"/>
+              </a:lnRef>
+              <a:fillRef idx="0">
+                <a:schemeClr val="accent1"/>
+              </a:fillRef>
+              <a:effectRef idx="0">
+                <a:schemeClr val="accent1"/>
+              </a:effectRef>
+              <a:fontRef idx="minor">
+                <a:schemeClr val="tx1"/>
+              </a:fontRef>
+            </p:style>
+          </p:cxnSp>
+        </p:grpSp>
+        <p:sp>
+          <p:nvSpPr>
+            <p:cNvPr id="9" name="Pfeil: nach rechts 8">
+              <a:extLst>
+                <a:ext uri="{FF2B5EF4-FFF2-40B4-BE49-F238E27FC236}">
+                  <a16:creationId xmlns:a16="http://schemas.microsoft.com/office/drawing/2014/main" id="{6D3F6C57-5A82-46E0-B94C-882CC6D257F4}"/>
+                </a:ext>
+              </a:extLst>
+            </p:cNvPr>
+            <p:cNvSpPr/>
+            <p:nvPr/>
+          </p:nvSpPr>
+          <p:spPr>
+            <a:xfrm>
+              <a:off x="3265714" y="5517218"/>
+              <a:ext cx="1018384" cy="665868"/>
+            </a:xfrm>
+            <a:prstGeom prst="rightArrow">
+              <a:avLst/>
+            </a:prstGeom>
+          </p:spPr>
+          <p:style>
+            <a:lnRef idx="2">
+              <a:schemeClr val="accent1">
+                <a:shade val="50000"/>
+              </a:schemeClr>
+            </a:lnRef>
+            <a:fillRef idx="1">
+              <a:schemeClr val="accent1"/>
+            </a:fillRef>
+            <a:effectRef idx="0">
+              <a:schemeClr val="accent1"/>
+            </a:effectRef>
+            <a:fontRef idx="minor">
+              <a:schemeClr val="lt1"/>
+            </a:fontRef>
+          </p:style>
+          <p:txBody>
+            <a:bodyPr rtlCol="0" anchor="ctr"/>
+            <a:lstStyle/>
+            <a:p>
+              <a:pPr algn="ctr"/>
+              <a:endParaRPr lang="de-DE"/>
+            </a:p>
+          </p:txBody>
+        </p:sp>
+      </p:grpSp>
+    </p:spTree>
+    <p:extLst>
+      <p:ext uri="{BB962C8B-B14F-4D97-AF65-F5344CB8AC3E}">
+        <p14:creationId xmlns:p14="http://schemas.microsoft.com/office/powerpoint/2010/main" val="2306150953"/>
+      </p:ext>
+    </p:extLst>
+  </p:cSld>
+  <p:clrMapOvr>
+    <a:masterClrMapping/>
+  </p:clrMapOvr>
+</p:sld>
+</file>
+
+<file path=ppt/slides/slide13.xml><?xml version="1.0" encoding="utf-8"?>
+<p:sld xmlns:a="http://schemas.openxmlformats.org/drawingml/2006/main" xmlns:r="http://schemas.openxmlformats.org/officeDocument/2006/relationships" xmlns:p="http://schemas.openxmlformats.org/presentationml/2006/main">
+  <p:cSld>
+    <p:spTree>
+      <p:nvGrpSpPr>
+        <p:cNvPr id="1" name=""/>
+        <p:cNvGrpSpPr/>
+        <p:nvPr/>
+      </p:nvGrpSpPr>
+      <p:grpSpPr>
+        <a:xfrm>
+          <a:off x="0" y="0"/>
+          <a:ext cx="0" cy="0"/>
+          <a:chOff x="0" y="0"/>
+          <a:chExt cx="0" cy="0"/>
+        </a:xfrm>
+      </p:grpSpPr>
+      <p:sp>
+        <p:nvSpPr>
+          <p:cNvPr id="2" name="Titel 1">
+            <a:extLst>
+              <a:ext uri="{FF2B5EF4-FFF2-40B4-BE49-F238E27FC236}">
+                <a16:creationId xmlns:a16="http://schemas.microsoft.com/office/drawing/2014/main" id="{09A89B63-0DFA-4ABA-A268-29698C051697}"/>
+              </a:ext>
+            </a:extLst>
+          </p:cNvPr>
+          <p:cNvSpPr>
+            <a:spLocks noGrp="1"/>
+          </p:cNvSpPr>
+          <p:nvPr>
+            <p:ph type="title"/>
+          </p:nvPr>
+        </p:nvSpPr>
+        <p:spPr/>
+        <p:txBody>
+          <a:bodyPr>
+            <a:normAutofit/>
+          </a:bodyPr>
+          <a:lstStyle/>
+          <a:p>
+            <a:r>
+              <a:rPr lang="de-DE" sz="4000" dirty="0"/>
+              <a:t>Das Single Layer </a:t>
+            </a:r>
+            <a:r>
+              <a:rPr lang="de-DE" sz="4000" dirty="0" err="1"/>
+              <a:t>Perceptron</a:t>
+            </a:r>
+            <a:endParaRPr lang="de-DE" sz="4000" dirty="0"/>
+          </a:p>
+        </p:txBody>
+      </p:sp>
+      <p:grpSp>
+        <p:nvGrpSpPr>
+          <p:cNvPr id="3" name="Gruppieren 2">
+            <a:extLst>
+              <a:ext uri="{FF2B5EF4-FFF2-40B4-BE49-F238E27FC236}">
+                <a16:creationId xmlns:a16="http://schemas.microsoft.com/office/drawing/2014/main" id="{482DD7B2-68D0-4207-A2BD-3E75D04FFFA5}"/>
+              </a:ext>
+            </a:extLst>
+          </p:cNvPr>
+          <p:cNvGrpSpPr/>
+          <p:nvPr/>
+        </p:nvGrpSpPr>
+        <p:grpSpPr>
+          <a:xfrm>
+            <a:off x="3308605" y="1515411"/>
+            <a:ext cx="5968106" cy="4125863"/>
+            <a:chOff x="801883" y="1657305"/>
+            <a:chExt cx="5968106" cy="4125863"/>
+          </a:xfrm>
+        </p:grpSpPr>
+        <p:grpSp>
+          <p:nvGrpSpPr>
+            <p:cNvPr id="29" name="Gruppieren 28">
+              <a:extLst>
+                <a:ext uri="{FF2B5EF4-FFF2-40B4-BE49-F238E27FC236}">
+                  <a16:creationId xmlns:a16="http://schemas.microsoft.com/office/drawing/2014/main" id="{56C17E33-A3C5-43CD-9C6E-2B2FAF0E16E1}"/>
+                </a:ext>
+              </a:extLst>
+            </p:cNvPr>
+            <p:cNvGrpSpPr/>
+            <p:nvPr/>
+          </p:nvGrpSpPr>
+          <p:grpSpPr>
+            <a:xfrm>
+              <a:off x="801883" y="1657305"/>
+              <a:ext cx="5968106" cy="3318005"/>
+              <a:chOff x="3575279" y="1676721"/>
+              <a:chExt cx="5968106" cy="3318005"/>
+            </a:xfrm>
+          </p:grpSpPr>
+          <p:grpSp>
+            <p:nvGrpSpPr>
+              <p:cNvPr id="30" name="Gruppieren 29">
+                <a:extLst>
+                  <a:ext uri="{FF2B5EF4-FFF2-40B4-BE49-F238E27FC236}">
+                    <a16:creationId xmlns:a16="http://schemas.microsoft.com/office/drawing/2014/main" id="{922D834F-A957-4C1F-9469-66B79ED90FF8}"/>
+                  </a:ext>
+                </a:extLst>
+              </p:cNvPr>
+              <p:cNvGrpSpPr/>
+              <p:nvPr/>
+            </p:nvGrpSpPr>
+            <p:grpSpPr>
+              <a:xfrm>
+                <a:off x="3575279" y="2550299"/>
+                <a:ext cx="5968106" cy="2444427"/>
+                <a:chOff x="2911045" y="2533046"/>
+                <a:chExt cx="5968106" cy="2444427"/>
+              </a:xfrm>
+            </p:grpSpPr>
+            <p:sp>
+              <p:nvSpPr>
+                <p:cNvPr id="34" name="Flussdiagramm: Verbinder 33">
+                  <a:extLst>
+                    <a:ext uri="{FF2B5EF4-FFF2-40B4-BE49-F238E27FC236}">
+                      <a16:creationId xmlns:a16="http://schemas.microsoft.com/office/drawing/2014/main" id="{1D08CBDC-2F7A-40CF-88D4-453CC1652E2A}"/>
+                    </a:ext>
+                  </a:extLst>
+                </p:cNvPr>
+                <p:cNvSpPr/>
+                <p:nvPr/>
+              </p:nvSpPr>
+              <p:spPr>
+                <a:xfrm>
+                  <a:off x="4845049" y="2538071"/>
+                  <a:ext cx="2501901" cy="2439402"/>
+                </a:xfrm>
+                <a:prstGeom prst="flowChartConnector">
+                  <a:avLst/>
+                </a:prstGeom>
+                <a:noFill/>
+              </p:spPr>
+              <p:style>
+                <a:lnRef idx="2">
+                  <a:schemeClr val="accent1">
+                    <a:shade val="50000"/>
+                  </a:schemeClr>
+                </a:lnRef>
+                <a:fillRef idx="1">
+                  <a:schemeClr val="accent1"/>
+                </a:fillRef>
+                <a:effectRef idx="0">
+                  <a:schemeClr val="accent1"/>
+                </a:effectRef>
+                <a:fontRef idx="minor">
+                  <a:schemeClr val="lt1"/>
+                </a:fontRef>
+              </p:style>
+              <p:txBody>
+                <a:bodyPr rtlCol="0" anchor="ctr"/>
+                <a:lstStyle/>
+                <a:p>
+                  <a:pPr algn="ctr"/>
+                  <a:r>
+                    <a:rPr lang="de-DE" dirty="0">
+                      <a:solidFill>
+                        <a:schemeClr val="tx2"/>
+                      </a:solidFill>
+                    </a:rPr>
+                    <a:t>z = X</a:t>
+                  </a:r>
+                  <a:r>
+                    <a:rPr lang="de-DE" baseline="-25000" dirty="0">
+                      <a:solidFill>
+                        <a:schemeClr val="tx2"/>
+                      </a:solidFill>
+                    </a:rPr>
+                    <a:t>1</a:t>
+                  </a:r>
+                  <a:r>
+                    <a:rPr lang="de-DE" dirty="0">
+                      <a:solidFill>
+                        <a:schemeClr val="tx2"/>
+                      </a:solidFill>
+                    </a:rPr>
+                    <a:t>*w</a:t>
+                  </a:r>
+                  <a:r>
+                    <a:rPr lang="de-DE" baseline="-25000" dirty="0">
+                      <a:solidFill>
+                        <a:schemeClr val="tx2"/>
+                      </a:solidFill>
+                    </a:rPr>
+                    <a:t>1</a:t>
+                  </a:r>
+                  <a:r>
+                    <a:rPr lang="de-DE" dirty="0">
+                      <a:solidFill>
+                        <a:schemeClr val="tx2"/>
+                      </a:solidFill>
+                    </a:rPr>
+                    <a:t> + X</a:t>
+                  </a:r>
+                  <a:r>
+                    <a:rPr lang="de-DE" baseline="-25000" dirty="0">
+                      <a:solidFill>
+                        <a:schemeClr val="tx2"/>
+                      </a:solidFill>
+                    </a:rPr>
+                    <a:t>2</a:t>
+                  </a:r>
+                  <a:r>
+                    <a:rPr lang="de-DE" dirty="0">
+                      <a:solidFill>
+                        <a:schemeClr val="tx2"/>
+                      </a:solidFill>
+                    </a:rPr>
+                    <a:t>*w</a:t>
+                  </a:r>
+                  <a:r>
+                    <a:rPr lang="de-DE" baseline="-25000" dirty="0">
+                      <a:solidFill>
+                        <a:schemeClr val="tx2"/>
+                      </a:solidFill>
+                    </a:rPr>
+                    <a:t>2</a:t>
+                  </a:r>
+                  <a:r>
+                    <a:rPr lang="de-DE" dirty="0">
+                      <a:solidFill>
+                        <a:schemeClr val="tx2"/>
+                      </a:solidFill>
+                    </a:rPr>
+                    <a:t> + … + </a:t>
+                  </a:r>
+                  <a:r>
+                    <a:rPr lang="de-DE" dirty="0" err="1">
+                      <a:solidFill>
+                        <a:schemeClr val="tx2"/>
+                      </a:solidFill>
+                    </a:rPr>
+                    <a:t>X</a:t>
+                  </a:r>
+                  <a:r>
+                    <a:rPr lang="de-DE" baseline="-25000" dirty="0" err="1">
+                      <a:solidFill>
+                        <a:schemeClr val="tx2"/>
+                      </a:solidFill>
+                    </a:rPr>
+                    <a:t>n</a:t>
+                  </a:r>
+                  <a:r>
+                    <a:rPr lang="de-DE" dirty="0">
+                      <a:solidFill>
+                        <a:schemeClr val="tx2"/>
+                      </a:solidFill>
+                    </a:rPr>
+                    <a:t>*</a:t>
+                  </a:r>
+                  <a:r>
+                    <a:rPr lang="de-DE" dirty="0" err="1">
+                      <a:solidFill>
+                        <a:schemeClr val="tx2"/>
+                      </a:solidFill>
+                    </a:rPr>
+                    <a:t>w</a:t>
+                  </a:r>
+                  <a:r>
+                    <a:rPr lang="de-DE" baseline="-25000" dirty="0" err="1">
+                      <a:solidFill>
+                        <a:schemeClr val="tx2"/>
+                      </a:solidFill>
+                    </a:rPr>
+                    <a:t>n</a:t>
+                  </a:r>
+                  <a:r>
+                    <a:rPr lang="de-DE" dirty="0">
+                      <a:solidFill>
+                        <a:schemeClr val="tx2"/>
+                      </a:solidFill>
+                    </a:rPr>
+                    <a:t> + b</a:t>
+                  </a:r>
+                  <a:br>
+                    <a:rPr lang="de-DE" dirty="0">
+                      <a:solidFill>
+                        <a:schemeClr val="tx2"/>
+                      </a:solidFill>
+                    </a:rPr>
+                  </a:br>
+                  <a:endParaRPr lang="de-DE" dirty="0">
+                    <a:solidFill>
+                      <a:schemeClr val="tx2"/>
+                    </a:solidFill>
+                  </a:endParaRPr>
+                </a:p>
+                <a:p>
+                  <a:pPr algn="ctr"/>
+                  <a:r>
+                    <a:rPr lang="de-DE" dirty="0">
+                      <a:solidFill>
+                        <a:schemeClr val="tx2"/>
+                      </a:solidFill>
+                    </a:rPr>
+                    <a:t>Y = f(z)</a:t>
+                  </a:r>
+                </a:p>
+              </p:txBody>
+            </p:sp>
+            <p:cxnSp>
+              <p:nvCxnSpPr>
+                <p:cNvPr id="35" name="Gerade Verbindung mit Pfeil 34">
+                  <a:extLst>
+                    <a:ext uri="{FF2B5EF4-FFF2-40B4-BE49-F238E27FC236}">
+                      <a16:creationId xmlns:a16="http://schemas.microsoft.com/office/drawing/2014/main" id="{FB9385C3-109F-445F-9E6D-1D566206D618}"/>
+                    </a:ext>
+                  </a:extLst>
+                </p:cNvPr>
+                <p:cNvCxnSpPr>
+                  <a:cxnSpLocks/>
+                  <a:endCxn id="34" idx="1"/>
+                </p:cNvCxnSpPr>
+                <p:nvPr/>
+              </p:nvCxnSpPr>
+              <p:spPr>
+                <a:xfrm>
+                  <a:off x="3544971" y="2895313"/>
+                  <a:ext cx="1666473" cy="0"/>
+                </a:xfrm>
+                <a:prstGeom prst="straightConnector1">
+                  <a:avLst/>
+                </a:prstGeom>
+                <a:ln>
+                  <a:tailEnd type="triangle"/>
+                </a:ln>
+              </p:spPr>
+              <p:style>
+                <a:lnRef idx="1">
+                  <a:schemeClr val="accent1"/>
+                </a:lnRef>
+                <a:fillRef idx="0">
+                  <a:schemeClr val="accent1"/>
+                </a:fillRef>
+                <a:effectRef idx="0">
+                  <a:schemeClr val="accent1"/>
+                </a:effectRef>
+                <a:fontRef idx="minor">
+                  <a:schemeClr val="tx1"/>
+                </a:fontRef>
+              </p:style>
+            </p:cxnSp>
+            <p:cxnSp>
+              <p:nvCxnSpPr>
+                <p:cNvPr id="36" name="Gerade Verbindung mit Pfeil 35">
+                  <a:extLst>
+                    <a:ext uri="{FF2B5EF4-FFF2-40B4-BE49-F238E27FC236}">
+                      <a16:creationId xmlns:a16="http://schemas.microsoft.com/office/drawing/2014/main" id="{66267ED6-3028-454C-ADF5-CFE9C993018F}"/>
+                    </a:ext>
+                  </a:extLst>
+                </p:cNvPr>
+                <p:cNvCxnSpPr>
+                  <a:cxnSpLocks/>
+                </p:cNvCxnSpPr>
+                <p:nvPr/>
+              </p:nvCxnSpPr>
+              <p:spPr>
+                <a:xfrm>
+                  <a:off x="3544971" y="3629436"/>
+                  <a:ext cx="1300078" cy="0"/>
+                </a:xfrm>
+                <a:prstGeom prst="straightConnector1">
+                  <a:avLst/>
+                </a:prstGeom>
+                <a:ln>
+                  <a:tailEnd type="triangle"/>
+                </a:ln>
+              </p:spPr>
+              <p:style>
+                <a:lnRef idx="1">
+                  <a:schemeClr val="accent1"/>
+                </a:lnRef>
+                <a:fillRef idx="0">
+                  <a:schemeClr val="accent1"/>
+                </a:fillRef>
+                <a:effectRef idx="0">
+                  <a:schemeClr val="accent1"/>
+                </a:effectRef>
+                <a:fontRef idx="minor">
+                  <a:schemeClr val="tx1"/>
+                </a:fontRef>
+              </p:style>
+            </p:cxnSp>
+            <p:sp>
+              <p:nvSpPr>
+                <p:cNvPr id="37" name="Textfeld 36">
+                  <a:extLst>
+                    <a:ext uri="{FF2B5EF4-FFF2-40B4-BE49-F238E27FC236}">
+                      <a16:creationId xmlns:a16="http://schemas.microsoft.com/office/drawing/2014/main" id="{8B672BE0-3AFC-4161-9E24-AE69DCE5039B}"/>
+                    </a:ext>
+                  </a:extLst>
+                </p:cNvPr>
+                <p:cNvSpPr txBox="1"/>
+                <p:nvPr/>
+              </p:nvSpPr>
+              <p:spPr>
+                <a:xfrm>
+                  <a:off x="2940859" y="2710647"/>
+                  <a:ext cx="436338" cy="369332"/>
+                </a:xfrm>
+                <a:prstGeom prst="rect">
+                  <a:avLst/>
+                </a:prstGeom>
+                <a:noFill/>
+              </p:spPr>
+              <p:txBody>
+                <a:bodyPr wrap="square" rtlCol="0">
+                  <a:spAutoFit/>
+                </a:bodyPr>
+                <a:lstStyle/>
+                <a:p>
+                  <a:r>
+                    <a:rPr lang="de-DE" dirty="0"/>
+                    <a:t>X</a:t>
+                  </a:r>
+                  <a:r>
+                    <a:rPr lang="de-DE" baseline="-25000" dirty="0"/>
+                    <a:t>1</a:t>
+                  </a:r>
+                </a:p>
+              </p:txBody>
+            </p:sp>
+            <p:sp>
+              <p:nvSpPr>
+                <p:cNvPr id="38" name="Textfeld 37">
+                  <a:extLst>
+                    <a:ext uri="{FF2B5EF4-FFF2-40B4-BE49-F238E27FC236}">
+                      <a16:creationId xmlns:a16="http://schemas.microsoft.com/office/drawing/2014/main" id="{BD9AD85C-F772-47FF-8AD5-9E01BB092903}"/>
+                    </a:ext>
+                  </a:extLst>
+                </p:cNvPr>
+                <p:cNvSpPr txBox="1"/>
+                <p:nvPr/>
+              </p:nvSpPr>
+              <p:spPr>
+                <a:xfrm>
+                  <a:off x="2940859" y="3444770"/>
+                  <a:ext cx="436338" cy="369332"/>
+                </a:xfrm>
+                <a:prstGeom prst="rect">
+                  <a:avLst/>
+                </a:prstGeom>
+                <a:noFill/>
+              </p:spPr>
+              <p:txBody>
+                <a:bodyPr wrap="square" rtlCol="0">
+                  <a:spAutoFit/>
+                </a:bodyPr>
+                <a:lstStyle/>
+                <a:p>
+                  <a:r>
+                    <a:rPr lang="de-DE" dirty="0"/>
+                    <a:t>X</a:t>
+                  </a:r>
+                  <a:r>
+                    <a:rPr lang="de-DE" baseline="-25000" dirty="0"/>
+                    <a:t>2</a:t>
+                  </a:r>
+                </a:p>
+              </p:txBody>
+            </p:sp>
+            <p:sp>
+              <p:nvSpPr>
+                <p:cNvPr id="39" name="Textfeld 38">
+                  <a:extLst>
+                    <a:ext uri="{FF2B5EF4-FFF2-40B4-BE49-F238E27FC236}">
+                      <a16:creationId xmlns:a16="http://schemas.microsoft.com/office/drawing/2014/main" id="{E80D13F3-BB6D-4495-87C6-E231A3CF92F5}"/>
+                    </a:ext>
+                  </a:extLst>
+                </p:cNvPr>
+                <p:cNvSpPr txBox="1"/>
+                <p:nvPr/>
+              </p:nvSpPr>
+              <p:spPr>
+                <a:xfrm>
+                  <a:off x="4017479" y="2533046"/>
+                  <a:ext cx="500458" cy="369332"/>
+                </a:xfrm>
+                <a:prstGeom prst="rect">
+                  <a:avLst/>
+                </a:prstGeom>
+                <a:noFill/>
+              </p:spPr>
+              <p:txBody>
+                <a:bodyPr wrap="square" rtlCol="0">
+                  <a:spAutoFit/>
+                </a:bodyPr>
+                <a:lstStyle/>
+                <a:p>
+                  <a:r>
+                    <a:rPr lang="de-DE" dirty="0"/>
+                    <a:t>w</a:t>
+                  </a:r>
+                  <a:r>
+                    <a:rPr lang="de-DE" baseline="-25000" dirty="0"/>
+                    <a:t>1</a:t>
+                  </a:r>
+                </a:p>
+              </p:txBody>
+            </p:sp>
+            <p:sp>
+              <p:nvSpPr>
+                <p:cNvPr id="40" name="Textfeld 39">
+                  <a:extLst>
+                    <a:ext uri="{FF2B5EF4-FFF2-40B4-BE49-F238E27FC236}">
+                      <a16:creationId xmlns:a16="http://schemas.microsoft.com/office/drawing/2014/main" id="{9AA6C948-5F4C-4C36-BF2D-D745EF911E64}"/>
+                    </a:ext>
+                  </a:extLst>
+                </p:cNvPr>
+                <p:cNvSpPr txBox="1"/>
+                <p:nvPr/>
+              </p:nvSpPr>
+              <p:spPr>
+                <a:xfrm>
+                  <a:off x="4017479" y="3267168"/>
+                  <a:ext cx="500458" cy="369332"/>
+                </a:xfrm>
+                <a:prstGeom prst="rect">
+                  <a:avLst/>
+                </a:prstGeom>
+                <a:noFill/>
+              </p:spPr>
+              <p:txBody>
+                <a:bodyPr wrap="square" rtlCol="0">
+                  <a:spAutoFit/>
+                </a:bodyPr>
+                <a:lstStyle/>
+                <a:p>
+                  <a:r>
+                    <a:rPr lang="de-DE" dirty="0"/>
+                    <a:t>w</a:t>
+                  </a:r>
+                  <a:r>
+                    <a:rPr lang="de-DE" baseline="-25000" dirty="0"/>
+                    <a:t>2</a:t>
+                  </a:r>
+                </a:p>
+              </p:txBody>
+            </p:sp>
+            <p:cxnSp>
+              <p:nvCxnSpPr>
+                <p:cNvPr id="41" name="Gerade Verbindung mit Pfeil 40">
+                  <a:extLst>
+                    <a:ext uri="{FF2B5EF4-FFF2-40B4-BE49-F238E27FC236}">
+                      <a16:creationId xmlns:a16="http://schemas.microsoft.com/office/drawing/2014/main" id="{C2712335-C02C-4F56-BBD2-2406453C6A21}"/>
+                    </a:ext>
+                  </a:extLst>
+                </p:cNvPr>
+                <p:cNvCxnSpPr>
+                  <a:cxnSpLocks/>
+                  <a:stCxn id="34" idx="6"/>
+                </p:cNvCxnSpPr>
+                <p:nvPr/>
+              </p:nvCxnSpPr>
+              <p:spPr>
+                <a:xfrm>
+                  <a:off x="7346950" y="3757772"/>
+                  <a:ext cx="1235242" cy="7064"/>
+                </a:xfrm>
+                <a:prstGeom prst="straightConnector1">
+                  <a:avLst/>
+                </a:prstGeom>
+                <a:ln>
+                  <a:tailEnd type="triangle"/>
+                </a:ln>
+              </p:spPr>
+              <p:style>
+                <a:lnRef idx="1">
+                  <a:schemeClr val="accent1"/>
+                </a:lnRef>
+                <a:fillRef idx="0">
+                  <a:schemeClr val="accent1"/>
+                </a:fillRef>
+                <a:effectRef idx="0">
+                  <a:schemeClr val="accent1"/>
+                </a:effectRef>
+                <a:fontRef idx="minor">
+                  <a:schemeClr val="tx1"/>
+                </a:fontRef>
+              </p:style>
+            </p:cxnSp>
+            <p:sp>
+              <p:nvSpPr>
+                <p:cNvPr id="42" name="Textfeld 41">
+                  <a:extLst>
+                    <a:ext uri="{FF2B5EF4-FFF2-40B4-BE49-F238E27FC236}">
+                      <a16:creationId xmlns:a16="http://schemas.microsoft.com/office/drawing/2014/main" id="{29B9E2BB-20DD-4082-B64C-65D65F351DC9}"/>
+                    </a:ext>
+                  </a:extLst>
+                </p:cNvPr>
+                <p:cNvSpPr txBox="1"/>
+                <p:nvPr/>
+              </p:nvSpPr>
+              <p:spPr>
+                <a:xfrm>
+                  <a:off x="8540597" y="3585066"/>
+                  <a:ext cx="338554" cy="369332"/>
+                </a:xfrm>
+                <a:prstGeom prst="rect">
+                  <a:avLst/>
+                </a:prstGeom>
+                <a:noFill/>
+              </p:spPr>
+              <p:txBody>
+                <a:bodyPr wrap="none" rtlCol="0">
+                  <a:spAutoFit/>
+                </a:bodyPr>
+                <a:lstStyle/>
+                <a:p>
+                  <a:r>
+                    <a:rPr lang="de-DE" dirty="0"/>
+                    <a:t>Y</a:t>
+                  </a:r>
+                </a:p>
+              </p:txBody>
+            </p:sp>
+            <p:cxnSp>
+              <p:nvCxnSpPr>
+                <p:cNvPr id="45" name="Gerade Verbindung mit Pfeil 44">
+                  <a:extLst>
+                    <a:ext uri="{FF2B5EF4-FFF2-40B4-BE49-F238E27FC236}">
+                      <a16:creationId xmlns:a16="http://schemas.microsoft.com/office/drawing/2014/main" id="{C0A136CD-F0B5-4ECD-8086-50760E0DE53F}"/>
+                    </a:ext>
+                  </a:extLst>
+                </p:cNvPr>
+                <p:cNvCxnSpPr>
+                  <a:cxnSpLocks/>
+                </p:cNvCxnSpPr>
+                <p:nvPr/>
+              </p:nvCxnSpPr>
+              <p:spPr>
+                <a:xfrm>
+                  <a:off x="3554292" y="4670948"/>
+                  <a:ext cx="1638776" cy="0"/>
+                </a:xfrm>
+                <a:prstGeom prst="straightConnector1">
+                  <a:avLst/>
+                </a:prstGeom>
+                <a:ln>
+                  <a:tailEnd type="triangle"/>
+                </a:ln>
+              </p:spPr>
+              <p:style>
+                <a:lnRef idx="1">
+                  <a:schemeClr val="accent1"/>
+                </a:lnRef>
+                <a:fillRef idx="0">
+                  <a:schemeClr val="accent1"/>
+                </a:fillRef>
+                <a:effectRef idx="0">
+                  <a:schemeClr val="accent1"/>
+                </a:effectRef>
+                <a:fontRef idx="minor">
+                  <a:schemeClr val="tx1"/>
+                </a:fontRef>
+              </p:style>
+            </p:cxnSp>
+            <p:sp>
+              <p:nvSpPr>
+                <p:cNvPr id="46" name="Textfeld 45">
+                  <a:extLst>
+                    <a:ext uri="{FF2B5EF4-FFF2-40B4-BE49-F238E27FC236}">
+                      <a16:creationId xmlns:a16="http://schemas.microsoft.com/office/drawing/2014/main" id="{BDE6FF44-2818-4018-8AAA-267859E09982}"/>
+                    </a:ext>
+                  </a:extLst>
+                </p:cNvPr>
+                <p:cNvSpPr txBox="1"/>
+                <p:nvPr/>
+              </p:nvSpPr>
+              <p:spPr>
+                <a:xfrm>
+                  <a:off x="2911045" y="4486282"/>
+                  <a:ext cx="531028" cy="369332"/>
+                </a:xfrm>
+                <a:prstGeom prst="rect">
+                  <a:avLst/>
+                </a:prstGeom>
+                <a:noFill/>
+              </p:spPr>
+              <p:txBody>
+                <a:bodyPr wrap="square" rtlCol="0">
+                  <a:spAutoFit/>
+                </a:bodyPr>
+                <a:lstStyle/>
+                <a:p>
+                  <a:r>
+                    <a:rPr lang="de-DE" dirty="0" err="1"/>
+                    <a:t>X</a:t>
+                  </a:r>
+                  <a:r>
+                    <a:rPr lang="de-DE" baseline="-25000" dirty="0" err="1"/>
+                    <a:t>n</a:t>
+                  </a:r>
+                  <a:endParaRPr lang="de-DE" baseline="-25000" dirty="0"/>
+                </a:p>
+              </p:txBody>
+            </p:sp>
+            <p:sp>
+              <p:nvSpPr>
+                <p:cNvPr id="48" name="Textfeld 47">
+                  <a:extLst>
+                    <a:ext uri="{FF2B5EF4-FFF2-40B4-BE49-F238E27FC236}">
+                      <a16:creationId xmlns:a16="http://schemas.microsoft.com/office/drawing/2014/main" id="{186F39CC-29A7-4C9F-9AFE-EC8C52C4FBBB}"/>
+                    </a:ext>
+                  </a:extLst>
+                </p:cNvPr>
+                <p:cNvSpPr txBox="1"/>
+                <p:nvPr/>
+              </p:nvSpPr>
+              <p:spPr>
+                <a:xfrm>
+                  <a:off x="4192439" y="4276375"/>
+                  <a:ext cx="706935" cy="369332"/>
+                </a:xfrm>
+                <a:prstGeom prst="rect">
+                  <a:avLst/>
+                </a:prstGeom>
+                <a:noFill/>
+              </p:spPr>
+              <p:txBody>
+                <a:bodyPr wrap="square" rtlCol="0">
+                  <a:spAutoFit/>
+                </a:bodyPr>
+                <a:lstStyle/>
+                <a:p>
+                  <a:r>
+                    <a:rPr lang="de-DE" dirty="0" err="1"/>
+                    <a:t>w</a:t>
+                  </a:r>
+                  <a:r>
+                    <a:rPr lang="de-DE" baseline="-25000" dirty="0" err="1"/>
+                    <a:t>n</a:t>
+                  </a:r>
+                  <a:endParaRPr lang="de-DE" baseline="-25000" dirty="0"/>
+                </a:p>
+              </p:txBody>
+            </p:sp>
+            <p:sp>
+              <p:nvSpPr>
+                <p:cNvPr id="49" name="Textfeld 48">
+                  <a:extLst>
+                    <a:ext uri="{FF2B5EF4-FFF2-40B4-BE49-F238E27FC236}">
+                      <a16:creationId xmlns:a16="http://schemas.microsoft.com/office/drawing/2014/main" id="{F858871F-F2CE-46C9-A60B-B68A81841069}"/>
+                    </a:ext>
+                  </a:extLst>
+                </p:cNvPr>
+                <p:cNvSpPr txBox="1"/>
+                <p:nvPr/>
+              </p:nvSpPr>
+              <p:spPr>
+                <a:xfrm>
+                  <a:off x="4029807" y="3769732"/>
+                  <a:ext cx="415498" cy="369332"/>
+                </a:xfrm>
+                <a:prstGeom prst="rect">
+                  <a:avLst/>
+                </a:prstGeom>
+                <a:noFill/>
+              </p:spPr>
+              <p:txBody>
+                <a:bodyPr wrap="square" rtlCol="0">
+                  <a:spAutoFit/>
+                </a:bodyPr>
+                <a:lstStyle/>
+                <a:p>
+                  <a:r>
+                    <a:rPr lang="de-DE" dirty="0"/>
+                    <a:t>…</a:t>
+                  </a:r>
+                  <a:endParaRPr lang="de-DE" baseline="-25000" dirty="0"/>
+                </a:p>
+              </p:txBody>
+            </p:sp>
+          </p:grpSp>
+          <p:sp>
+            <p:nvSpPr>
+              <p:cNvPr id="31" name="Geschweifte Klammer rechts 30">
+                <a:extLst>
+                  <a:ext uri="{FF2B5EF4-FFF2-40B4-BE49-F238E27FC236}">
+                    <a16:creationId xmlns:a16="http://schemas.microsoft.com/office/drawing/2014/main" id="{307C25A1-07F6-42FA-BF65-E3BB39649234}"/>
+                  </a:ext>
+                </a:extLst>
+              </p:cNvPr>
+              <p:cNvSpPr/>
+              <p:nvPr/>
+            </p:nvSpPr>
+            <p:spPr>
+              <a:xfrm rot="16200000">
+                <a:off x="6564290" y="1192178"/>
+                <a:ext cx="391886" cy="2133602"/>
+              </a:xfrm>
+              <a:prstGeom prst="rightBrace">
+                <a:avLst/>
+              </a:prstGeom>
+            </p:spPr>
+            <p:style>
+              <a:lnRef idx="1">
+                <a:schemeClr val="accent1"/>
+              </a:lnRef>
+              <a:fillRef idx="0">
+                <a:schemeClr val="accent1"/>
+              </a:fillRef>
+              <a:effectRef idx="0">
+                <a:schemeClr val="accent1"/>
+              </a:effectRef>
+              <a:fontRef idx="minor">
+                <a:schemeClr val="tx1"/>
+              </a:fontRef>
+            </p:style>
+            <p:txBody>
+              <a:bodyPr rtlCol="0" anchor="ctr"/>
+              <a:lstStyle/>
+              <a:p>
+                <a:pPr algn="ctr"/>
+                <a:endParaRPr lang="de-DE"/>
+              </a:p>
+            </p:txBody>
+          </p:sp>
+          <p:sp>
+            <p:nvSpPr>
+              <p:cNvPr id="33" name="Textfeld 32">
+                <a:extLst>
+                  <a:ext uri="{FF2B5EF4-FFF2-40B4-BE49-F238E27FC236}">
+                    <a16:creationId xmlns:a16="http://schemas.microsoft.com/office/drawing/2014/main" id="{CCC60BE2-CB75-47D7-95C7-76049333BCB7}"/>
+                  </a:ext>
+                </a:extLst>
+              </p:cNvPr>
+              <p:cNvSpPr txBox="1"/>
+              <p:nvPr/>
+            </p:nvSpPr>
+            <p:spPr>
+              <a:xfrm>
+                <a:off x="6456303" y="1676721"/>
+                <a:ext cx="607859" cy="369332"/>
+              </a:xfrm>
+              <a:prstGeom prst="rect">
+                <a:avLst/>
+              </a:prstGeom>
+              <a:noFill/>
+            </p:spPr>
+            <p:txBody>
+              <a:bodyPr wrap="none" rtlCol="0">
+                <a:spAutoFit/>
+              </a:bodyPr>
+              <a:lstStyle/>
+              <a:p>
+                <a:r>
+                  <a:rPr lang="de-DE" dirty="0"/>
+                  <a:t>p(x)</a:t>
+                </a:r>
+              </a:p>
+            </p:txBody>
+          </p:sp>
+        </p:grpSp>
+        <p:grpSp>
+          <p:nvGrpSpPr>
+            <p:cNvPr id="8" name="Gruppieren 7">
+              <a:extLst>
+                <a:ext uri="{FF2B5EF4-FFF2-40B4-BE49-F238E27FC236}">
+                  <a16:creationId xmlns:a16="http://schemas.microsoft.com/office/drawing/2014/main" id="{EE00BCCA-43F6-4F12-A92A-96F13F072392}"/>
+                </a:ext>
+              </a:extLst>
+            </p:cNvPr>
+            <p:cNvGrpSpPr/>
+            <p:nvPr/>
+          </p:nvGrpSpPr>
+          <p:grpSpPr>
+            <a:xfrm>
+              <a:off x="1961229" y="4881936"/>
+              <a:ext cx="1510931" cy="901232"/>
+              <a:chOff x="1961229" y="4881936"/>
+              <a:chExt cx="1510931" cy="901232"/>
+            </a:xfrm>
+          </p:grpSpPr>
+          <p:cxnSp>
+            <p:nvCxnSpPr>
+              <p:cNvPr id="44" name="Gerade Verbindung mit Pfeil 43">
+                <a:extLst>
+                  <a:ext uri="{FF2B5EF4-FFF2-40B4-BE49-F238E27FC236}">
+                    <a16:creationId xmlns:a16="http://schemas.microsoft.com/office/drawing/2014/main" id="{D351BE8F-27EC-43B4-A511-4A0A314F598D}"/>
+                  </a:ext>
+                </a:extLst>
+              </p:cNvPr>
+              <p:cNvCxnSpPr>
+                <a:cxnSpLocks/>
+              </p:cNvCxnSpPr>
+              <p:nvPr/>
+            </p:nvCxnSpPr>
+            <p:spPr>
+              <a:xfrm flipV="1">
+                <a:off x="1961229" y="4881936"/>
+                <a:ext cx="1510931" cy="901232"/>
+              </a:xfrm>
+              <a:prstGeom prst="straightConnector1">
+                <a:avLst/>
+              </a:prstGeom>
+              <a:ln>
+                <a:tailEnd type="triangle"/>
+              </a:ln>
+            </p:spPr>
+            <p:style>
+              <a:lnRef idx="1">
+                <a:schemeClr val="accent1"/>
+              </a:lnRef>
+              <a:fillRef idx="0">
+                <a:schemeClr val="accent1"/>
+              </a:fillRef>
+              <a:effectRef idx="0">
+                <a:schemeClr val="accent1"/>
+              </a:effectRef>
+              <a:fontRef idx="minor">
+                <a:schemeClr val="tx1"/>
+              </a:fontRef>
+            </p:style>
+          </p:cxnSp>
+          <p:sp>
+            <p:nvSpPr>
+              <p:cNvPr id="47" name="Textfeld 46">
+                <a:extLst>
+                  <a:ext uri="{FF2B5EF4-FFF2-40B4-BE49-F238E27FC236}">
+                    <a16:creationId xmlns:a16="http://schemas.microsoft.com/office/drawing/2014/main" id="{31DF0AED-8BF5-438C-8DAD-BD441A1E626D}"/>
+                  </a:ext>
+                </a:extLst>
+              </p:cNvPr>
+              <p:cNvSpPr txBox="1"/>
+              <p:nvPr/>
+            </p:nvSpPr>
+            <p:spPr>
+              <a:xfrm>
+                <a:off x="2202562" y="5147886"/>
+                <a:ext cx="338554" cy="369332"/>
+              </a:xfrm>
+              <a:prstGeom prst="rect">
+                <a:avLst/>
+              </a:prstGeom>
+              <a:noFill/>
+            </p:spPr>
+            <p:txBody>
+              <a:bodyPr wrap="square" rtlCol="0">
+                <a:spAutoFit/>
+              </a:bodyPr>
+              <a:lstStyle/>
+              <a:p>
+                <a:r>
+                  <a:rPr lang="de-DE" dirty="0"/>
+                  <a:t>b</a:t>
+                </a:r>
+              </a:p>
+            </p:txBody>
+          </p:sp>
+        </p:grpSp>
+      </p:grpSp>
+    </p:spTree>
+    <p:extLst>
+      <p:ext uri="{BB962C8B-B14F-4D97-AF65-F5344CB8AC3E}">
+        <p14:creationId xmlns:p14="http://schemas.microsoft.com/office/powerpoint/2010/main" val="1600719822"/>
+      </p:ext>
+    </p:extLst>
+  </p:cSld>
+  <p:clrMapOvr>
+    <a:masterClrMapping/>
+  </p:clrMapOvr>
+</p:sld>
+</file>
+
+<file path=ppt/slides/slide14.xml><?xml version="1.0" encoding="utf-8"?>
 <p:sld xmlns:a="http://schemas.openxmlformats.org/drawingml/2006/main" xmlns:r="http://schemas.openxmlformats.org/officeDocument/2006/relationships" xmlns:p="http://schemas.openxmlformats.org/presentationml/2006/main">
   <p:cSld>
     <p:spTree>
@@ -17837,31 +19984,1273 @@
           </a:p>
         </p:txBody>
       </p:sp>
-      <p:sp>
-        <p:nvSpPr>
-          <p:cNvPr id="3" name="Inhaltsplatzhalter 2">
+      <p:grpSp>
+        <p:nvGrpSpPr>
+          <p:cNvPr id="78" name="Gruppieren 77">
             <a:extLst>
               <a:ext uri="{FF2B5EF4-FFF2-40B4-BE49-F238E27FC236}">
-                <a16:creationId xmlns:a16="http://schemas.microsoft.com/office/drawing/2014/main" id="{29FD03ED-1531-4513-8375-172B32FB1409}"/>
+                <a16:creationId xmlns:a16="http://schemas.microsoft.com/office/drawing/2014/main" id="{60270591-7225-4732-AEDE-C0B6B87F8AC6}"/>
               </a:ext>
             </a:extLst>
           </p:cNvPr>
-          <p:cNvSpPr>
-            <a:spLocks noGrp="1"/>
-          </p:cNvSpPr>
-          <p:nvPr>
-            <p:ph idx="1"/>
-          </p:nvPr>
-        </p:nvSpPr>
-        <p:spPr/>
-        <p:txBody>
-          <a:bodyPr/>
-          <a:lstStyle/>
-          <a:p>
-            <a:endParaRPr lang="de-DE"/>
-          </a:p>
-        </p:txBody>
-      </p:sp>
+          <p:cNvGrpSpPr/>
+          <p:nvPr/>
+        </p:nvGrpSpPr>
+        <p:grpSpPr>
+          <a:xfrm>
+            <a:off x="3508403" y="1690688"/>
+            <a:ext cx="7501187" cy="3844755"/>
+            <a:chOff x="3508403" y="1690688"/>
+            <a:chExt cx="7501187" cy="3844755"/>
+          </a:xfrm>
+        </p:grpSpPr>
+        <p:sp>
+          <p:nvSpPr>
+            <p:cNvPr id="4" name="Flussdiagramm: Verbinder 3">
+              <a:extLst>
+                <a:ext uri="{FF2B5EF4-FFF2-40B4-BE49-F238E27FC236}">
+                  <a16:creationId xmlns:a16="http://schemas.microsoft.com/office/drawing/2014/main" id="{D80CE8BD-B68E-405A-83AD-C94AB11D47E5}"/>
+                </a:ext>
+              </a:extLst>
+            </p:cNvPr>
+            <p:cNvSpPr/>
+            <p:nvPr/>
+          </p:nvSpPr>
+          <p:spPr>
+            <a:xfrm>
+              <a:off x="3508403" y="2708734"/>
+              <a:ext cx="811354" cy="790617"/>
+            </a:xfrm>
+            <a:prstGeom prst="flowChartConnector">
+              <a:avLst/>
+            </a:prstGeom>
+            <a:noFill/>
+          </p:spPr>
+          <p:style>
+            <a:lnRef idx="2">
+              <a:schemeClr val="accent1">
+                <a:shade val="50000"/>
+              </a:schemeClr>
+            </a:lnRef>
+            <a:fillRef idx="1">
+              <a:schemeClr val="accent1"/>
+            </a:fillRef>
+            <a:effectRef idx="0">
+              <a:schemeClr val="accent1"/>
+            </a:effectRef>
+            <a:fontRef idx="minor">
+              <a:schemeClr val="lt1"/>
+            </a:fontRef>
+          </p:style>
+          <p:txBody>
+            <a:bodyPr rtlCol="0" anchor="ctr"/>
+            <a:lstStyle/>
+            <a:p>
+              <a:pPr algn="ctr"/>
+              <a:endParaRPr lang="de-DE" dirty="0">
+                <a:solidFill>
+                  <a:schemeClr val="tx2"/>
+                </a:solidFill>
+              </a:endParaRPr>
+            </a:p>
+          </p:txBody>
+        </p:sp>
+        <p:sp>
+          <p:nvSpPr>
+            <p:cNvPr id="11" name="Flussdiagramm: Verbinder 10">
+              <a:extLst>
+                <a:ext uri="{FF2B5EF4-FFF2-40B4-BE49-F238E27FC236}">
+                  <a16:creationId xmlns:a16="http://schemas.microsoft.com/office/drawing/2014/main" id="{D8A0F55F-069B-4976-9436-82171AA585B4}"/>
+                </a:ext>
+              </a:extLst>
+            </p:cNvPr>
+            <p:cNvSpPr/>
+            <p:nvPr/>
+          </p:nvSpPr>
+          <p:spPr>
+            <a:xfrm>
+              <a:off x="3508403" y="3726780"/>
+              <a:ext cx="811354" cy="790617"/>
+            </a:xfrm>
+            <a:prstGeom prst="flowChartConnector">
+              <a:avLst/>
+            </a:prstGeom>
+            <a:noFill/>
+          </p:spPr>
+          <p:style>
+            <a:lnRef idx="2">
+              <a:schemeClr val="accent1">
+                <a:shade val="50000"/>
+              </a:schemeClr>
+            </a:lnRef>
+            <a:fillRef idx="1">
+              <a:schemeClr val="accent1"/>
+            </a:fillRef>
+            <a:effectRef idx="0">
+              <a:schemeClr val="accent1"/>
+            </a:effectRef>
+            <a:fontRef idx="minor">
+              <a:schemeClr val="lt1"/>
+            </a:fontRef>
+          </p:style>
+          <p:txBody>
+            <a:bodyPr rtlCol="0" anchor="ctr"/>
+            <a:lstStyle/>
+            <a:p>
+              <a:pPr algn="ctr"/>
+              <a:endParaRPr lang="de-DE" dirty="0">
+                <a:solidFill>
+                  <a:schemeClr val="tx2"/>
+                </a:solidFill>
+              </a:endParaRPr>
+            </a:p>
+          </p:txBody>
+        </p:sp>
+        <p:sp>
+          <p:nvSpPr>
+            <p:cNvPr id="13" name="Flussdiagramm: Verbinder 12">
+              <a:extLst>
+                <a:ext uri="{FF2B5EF4-FFF2-40B4-BE49-F238E27FC236}">
+                  <a16:creationId xmlns:a16="http://schemas.microsoft.com/office/drawing/2014/main" id="{F2B34D62-33E4-418A-8173-E643061035AF}"/>
+                </a:ext>
+              </a:extLst>
+            </p:cNvPr>
+            <p:cNvSpPr/>
+            <p:nvPr/>
+          </p:nvSpPr>
+          <p:spPr>
+            <a:xfrm>
+              <a:off x="6703547" y="1690688"/>
+              <a:ext cx="811354" cy="790617"/>
+            </a:xfrm>
+            <a:prstGeom prst="flowChartConnector">
+              <a:avLst/>
+            </a:prstGeom>
+            <a:noFill/>
+          </p:spPr>
+          <p:style>
+            <a:lnRef idx="2">
+              <a:schemeClr val="accent1">
+                <a:shade val="50000"/>
+              </a:schemeClr>
+            </a:lnRef>
+            <a:fillRef idx="1">
+              <a:schemeClr val="accent1"/>
+            </a:fillRef>
+            <a:effectRef idx="0">
+              <a:schemeClr val="accent1"/>
+            </a:effectRef>
+            <a:fontRef idx="minor">
+              <a:schemeClr val="lt1"/>
+            </a:fontRef>
+          </p:style>
+          <p:txBody>
+            <a:bodyPr rtlCol="0" anchor="ctr"/>
+            <a:lstStyle/>
+            <a:p>
+              <a:pPr algn="ctr"/>
+              <a:endParaRPr lang="de-DE" dirty="0">
+                <a:solidFill>
+                  <a:schemeClr val="tx2"/>
+                </a:solidFill>
+              </a:endParaRPr>
+            </a:p>
+          </p:txBody>
+        </p:sp>
+        <p:sp>
+          <p:nvSpPr>
+            <p:cNvPr id="14" name="Flussdiagramm: Verbinder 13">
+              <a:extLst>
+                <a:ext uri="{FF2B5EF4-FFF2-40B4-BE49-F238E27FC236}">
+                  <a16:creationId xmlns:a16="http://schemas.microsoft.com/office/drawing/2014/main" id="{79E595C3-19CD-45D0-9465-0B35B582CD65}"/>
+                </a:ext>
+              </a:extLst>
+            </p:cNvPr>
+            <p:cNvSpPr/>
+            <p:nvPr/>
+          </p:nvSpPr>
+          <p:spPr>
+            <a:xfrm>
+              <a:off x="6703547" y="2708734"/>
+              <a:ext cx="811354" cy="790617"/>
+            </a:xfrm>
+            <a:prstGeom prst="flowChartConnector">
+              <a:avLst/>
+            </a:prstGeom>
+            <a:noFill/>
+          </p:spPr>
+          <p:style>
+            <a:lnRef idx="2">
+              <a:schemeClr val="accent1">
+                <a:shade val="50000"/>
+              </a:schemeClr>
+            </a:lnRef>
+            <a:fillRef idx="1">
+              <a:schemeClr val="accent1"/>
+            </a:fillRef>
+            <a:effectRef idx="0">
+              <a:schemeClr val="accent1"/>
+            </a:effectRef>
+            <a:fontRef idx="minor">
+              <a:schemeClr val="lt1"/>
+            </a:fontRef>
+          </p:style>
+          <p:txBody>
+            <a:bodyPr rtlCol="0" anchor="ctr"/>
+            <a:lstStyle/>
+            <a:p>
+              <a:pPr algn="ctr"/>
+              <a:endParaRPr lang="de-DE" dirty="0">
+                <a:solidFill>
+                  <a:schemeClr val="tx2"/>
+                </a:solidFill>
+              </a:endParaRPr>
+            </a:p>
+          </p:txBody>
+        </p:sp>
+        <p:sp>
+          <p:nvSpPr>
+            <p:cNvPr id="15" name="Flussdiagramm: Verbinder 14">
+              <a:extLst>
+                <a:ext uri="{FF2B5EF4-FFF2-40B4-BE49-F238E27FC236}">
+                  <a16:creationId xmlns:a16="http://schemas.microsoft.com/office/drawing/2014/main" id="{59A058CC-D9A9-47E9-833D-CF908A0D7A73}"/>
+                </a:ext>
+              </a:extLst>
+            </p:cNvPr>
+            <p:cNvSpPr/>
+            <p:nvPr/>
+          </p:nvSpPr>
+          <p:spPr>
+            <a:xfrm>
+              <a:off x="6703547" y="3726780"/>
+              <a:ext cx="811354" cy="790617"/>
+            </a:xfrm>
+            <a:prstGeom prst="flowChartConnector">
+              <a:avLst/>
+            </a:prstGeom>
+            <a:noFill/>
+          </p:spPr>
+          <p:style>
+            <a:lnRef idx="2">
+              <a:schemeClr val="accent1">
+                <a:shade val="50000"/>
+              </a:schemeClr>
+            </a:lnRef>
+            <a:fillRef idx="1">
+              <a:schemeClr val="accent1"/>
+            </a:fillRef>
+            <a:effectRef idx="0">
+              <a:schemeClr val="accent1"/>
+            </a:effectRef>
+            <a:fontRef idx="minor">
+              <a:schemeClr val="lt1"/>
+            </a:fontRef>
+          </p:style>
+          <p:txBody>
+            <a:bodyPr rtlCol="0" anchor="ctr"/>
+            <a:lstStyle/>
+            <a:p>
+              <a:pPr algn="ctr"/>
+              <a:endParaRPr lang="de-DE" dirty="0">
+                <a:solidFill>
+                  <a:schemeClr val="tx2"/>
+                </a:solidFill>
+              </a:endParaRPr>
+            </a:p>
+          </p:txBody>
+        </p:sp>
+        <p:sp>
+          <p:nvSpPr>
+            <p:cNvPr id="16" name="Flussdiagramm: Verbinder 15">
+              <a:extLst>
+                <a:ext uri="{FF2B5EF4-FFF2-40B4-BE49-F238E27FC236}">
+                  <a16:creationId xmlns:a16="http://schemas.microsoft.com/office/drawing/2014/main" id="{0D1F9808-D86D-4314-B3CF-AE5A3FA2B089}"/>
+                </a:ext>
+              </a:extLst>
+            </p:cNvPr>
+            <p:cNvSpPr/>
+            <p:nvPr/>
+          </p:nvSpPr>
+          <p:spPr>
+            <a:xfrm>
+              <a:off x="6703547" y="4744826"/>
+              <a:ext cx="811354" cy="790617"/>
+            </a:xfrm>
+            <a:prstGeom prst="flowChartConnector">
+              <a:avLst/>
+            </a:prstGeom>
+            <a:noFill/>
+          </p:spPr>
+          <p:style>
+            <a:lnRef idx="2">
+              <a:schemeClr val="accent1">
+                <a:shade val="50000"/>
+              </a:schemeClr>
+            </a:lnRef>
+            <a:fillRef idx="1">
+              <a:schemeClr val="accent1"/>
+            </a:fillRef>
+            <a:effectRef idx="0">
+              <a:schemeClr val="accent1"/>
+            </a:effectRef>
+            <a:fontRef idx="minor">
+              <a:schemeClr val="lt1"/>
+            </a:fontRef>
+          </p:style>
+          <p:txBody>
+            <a:bodyPr rtlCol="0" anchor="ctr"/>
+            <a:lstStyle/>
+            <a:p>
+              <a:pPr algn="ctr"/>
+              <a:endParaRPr lang="de-DE" dirty="0">
+                <a:solidFill>
+                  <a:schemeClr val="tx2"/>
+                </a:solidFill>
+              </a:endParaRPr>
+            </a:p>
+          </p:txBody>
+        </p:sp>
+        <p:sp>
+          <p:nvSpPr>
+            <p:cNvPr id="17" name="Flussdiagramm: Verbinder 16">
+              <a:extLst>
+                <a:ext uri="{FF2B5EF4-FFF2-40B4-BE49-F238E27FC236}">
+                  <a16:creationId xmlns:a16="http://schemas.microsoft.com/office/drawing/2014/main" id="{9F2FA80D-D8A7-4EF0-846B-3DC3BCAEE46E}"/>
+                </a:ext>
+              </a:extLst>
+            </p:cNvPr>
+            <p:cNvSpPr/>
+            <p:nvPr/>
+          </p:nvSpPr>
+          <p:spPr>
+            <a:xfrm>
+              <a:off x="10198236" y="2708734"/>
+              <a:ext cx="811354" cy="790617"/>
+            </a:xfrm>
+            <a:prstGeom prst="flowChartConnector">
+              <a:avLst/>
+            </a:prstGeom>
+            <a:noFill/>
+          </p:spPr>
+          <p:style>
+            <a:lnRef idx="2">
+              <a:schemeClr val="accent1">
+                <a:shade val="50000"/>
+              </a:schemeClr>
+            </a:lnRef>
+            <a:fillRef idx="1">
+              <a:schemeClr val="accent1"/>
+            </a:fillRef>
+            <a:effectRef idx="0">
+              <a:schemeClr val="accent1"/>
+            </a:effectRef>
+            <a:fontRef idx="minor">
+              <a:schemeClr val="lt1"/>
+            </a:fontRef>
+          </p:style>
+          <p:txBody>
+            <a:bodyPr rtlCol="0" anchor="ctr"/>
+            <a:lstStyle/>
+            <a:p>
+              <a:pPr algn="ctr"/>
+              <a:endParaRPr lang="de-DE" dirty="0">
+                <a:solidFill>
+                  <a:schemeClr val="tx2"/>
+                </a:solidFill>
+              </a:endParaRPr>
+            </a:p>
+          </p:txBody>
+        </p:sp>
+        <p:sp>
+          <p:nvSpPr>
+            <p:cNvPr id="18" name="Flussdiagramm: Verbinder 17">
+              <a:extLst>
+                <a:ext uri="{FF2B5EF4-FFF2-40B4-BE49-F238E27FC236}">
+                  <a16:creationId xmlns:a16="http://schemas.microsoft.com/office/drawing/2014/main" id="{145075B7-858A-4C26-965A-C64CEBB9AF89}"/>
+                </a:ext>
+              </a:extLst>
+            </p:cNvPr>
+            <p:cNvSpPr/>
+            <p:nvPr/>
+          </p:nvSpPr>
+          <p:spPr>
+            <a:xfrm>
+              <a:off x="10198236" y="3726780"/>
+              <a:ext cx="811354" cy="790617"/>
+            </a:xfrm>
+            <a:prstGeom prst="flowChartConnector">
+              <a:avLst/>
+            </a:prstGeom>
+            <a:noFill/>
+          </p:spPr>
+          <p:style>
+            <a:lnRef idx="2">
+              <a:schemeClr val="accent1">
+                <a:shade val="50000"/>
+              </a:schemeClr>
+            </a:lnRef>
+            <a:fillRef idx="1">
+              <a:schemeClr val="accent1"/>
+            </a:fillRef>
+            <a:effectRef idx="0">
+              <a:schemeClr val="accent1"/>
+            </a:effectRef>
+            <a:fontRef idx="minor">
+              <a:schemeClr val="lt1"/>
+            </a:fontRef>
+          </p:style>
+          <p:txBody>
+            <a:bodyPr rtlCol="0" anchor="ctr"/>
+            <a:lstStyle/>
+            <a:p>
+              <a:pPr algn="ctr"/>
+              <a:endParaRPr lang="de-DE" dirty="0">
+                <a:solidFill>
+                  <a:schemeClr val="tx2"/>
+                </a:solidFill>
+              </a:endParaRPr>
+            </a:p>
+          </p:txBody>
+        </p:sp>
+        <p:cxnSp>
+          <p:nvCxnSpPr>
+            <p:cNvPr id="20" name="Gerader Verbinder 19">
+              <a:extLst>
+                <a:ext uri="{FF2B5EF4-FFF2-40B4-BE49-F238E27FC236}">
+                  <a16:creationId xmlns:a16="http://schemas.microsoft.com/office/drawing/2014/main" id="{DF0C18F0-55C5-42C0-BCBA-F438653D3589}"/>
+                </a:ext>
+              </a:extLst>
+            </p:cNvPr>
+            <p:cNvCxnSpPr>
+              <a:stCxn id="4" idx="6"/>
+              <a:endCxn id="13" idx="2"/>
+            </p:cNvCxnSpPr>
+            <p:nvPr/>
+          </p:nvCxnSpPr>
+          <p:spPr>
+            <a:xfrm flipV="1">
+              <a:off x="4319757" y="2085997"/>
+              <a:ext cx="2383790" cy="1018046"/>
+            </a:xfrm>
+            <a:prstGeom prst="line">
+              <a:avLst/>
+            </a:prstGeom>
+          </p:spPr>
+          <p:style>
+            <a:lnRef idx="1">
+              <a:schemeClr val="accent1"/>
+            </a:lnRef>
+            <a:fillRef idx="0">
+              <a:schemeClr val="accent1"/>
+            </a:fillRef>
+            <a:effectRef idx="0">
+              <a:schemeClr val="accent1"/>
+            </a:effectRef>
+            <a:fontRef idx="minor">
+              <a:schemeClr val="tx1"/>
+            </a:fontRef>
+          </p:style>
+        </p:cxnSp>
+        <p:cxnSp>
+          <p:nvCxnSpPr>
+            <p:cNvPr id="21" name="Gerader Verbinder 20">
+              <a:extLst>
+                <a:ext uri="{FF2B5EF4-FFF2-40B4-BE49-F238E27FC236}">
+                  <a16:creationId xmlns:a16="http://schemas.microsoft.com/office/drawing/2014/main" id="{537815EE-9970-4ABE-B907-266EC6C27AFA}"/>
+                </a:ext>
+              </a:extLst>
+            </p:cNvPr>
+            <p:cNvCxnSpPr>
+              <a:cxnSpLocks/>
+              <a:stCxn id="4" idx="6"/>
+              <a:endCxn id="14" idx="2"/>
+            </p:cNvCxnSpPr>
+            <p:nvPr/>
+          </p:nvCxnSpPr>
+          <p:spPr>
+            <a:xfrm>
+              <a:off x="4319757" y="3104043"/>
+              <a:ext cx="2383790" cy="0"/>
+            </a:xfrm>
+            <a:prstGeom prst="line">
+              <a:avLst/>
+            </a:prstGeom>
+          </p:spPr>
+          <p:style>
+            <a:lnRef idx="1">
+              <a:schemeClr val="accent1"/>
+            </a:lnRef>
+            <a:fillRef idx="0">
+              <a:schemeClr val="accent1"/>
+            </a:fillRef>
+            <a:effectRef idx="0">
+              <a:schemeClr val="accent1"/>
+            </a:effectRef>
+            <a:fontRef idx="minor">
+              <a:schemeClr val="tx1"/>
+            </a:fontRef>
+          </p:style>
+        </p:cxnSp>
+        <p:cxnSp>
+          <p:nvCxnSpPr>
+            <p:cNvPr id="24" name="Gerader Verbinder 23">
+              <a:extLst>
+                <a:ext uri="{FF2B5EF4-FFF2-40B4-BE49-F238E27FC236}">
+                  <a16:creationId xmlns:a16="http://schemas.microsoft.com/office/drawing/2014/main" id="{4C43C6DE-D8B8-4F31-81BF-103BC35996FF}"/>
+                </a:ext>
+              </a:extLst>
+            </p:cNvPr>
+            <p:cNvCxnSpPr>
+              <a:cxnSpLocks/>
+              <a:stCxn id="4" idx="6"/>
+              <a:endCxn id="15" idx="2"/>
+            </p:cNvCxnSpPr>
+            <p:nvPr/>
+          </p:nvCxnSpPr>
+          <p:spPr>
+            <a:xfrm>
+              <a:off x="4319757" y="3104043"/>
+              <a:ext cx="2383790" cy="1018046"/>
+            </a:xfrm>
+            <a:prstGeom prst="line">
+              <a:avLst/>
+            </a:prstGeom>
+          </p:spPr>
+          <p:style>
+            <a:lnRef idx="1">
+              <a:schemeClr val="accent1"/>
+            </a:lnRef>
+            <a:fillRef idx="0">
+              <a:schemeClr val="accent1"/>
+            </a:fillRef>
+            <a:effectRef idx="0">
+              <a:schemeClr val="accent1"/>
+            </a:effectRef>
+            <a:fontRef idx="minor">
+              <a:schemeClr val="tx1"/>
+            </a:fontRef>
+          </p:style>
+        </p:cxnSp>
+        <p:cxnSp>
+          <p:nvCxnSpPr>
+            <p:cNvPr id="27" name="Gerader Verbinder 26">
+              <a:extLst>
+                <a:ext uri="{FF2B5EF4-FFF2-40B4-BE49-F238E27FC236}">
+                  <a16:creationId xmlns:a16="http://schemas.microsoft.com/office/drawing/2014/main" id="{3C691B49-57B3-48DD-B8B5-7B93BB550BF5}"/>
+                </a:ext>
+              </a:extLst>
+            </p:cNvPr>
+            <p:cNvCxnSpPr>
+              <a:cxnSpLocks/>
+              <a:stCxn id="4" idx="6"/>
+              <a:endCxn id="16" idx="2"/>
+            </p:cNvCxnSpPr>
+            <p:nvPr/>
+          </p:nvCxnSpPr>
+          <p:spPr>
+            <a:xfrm>
+              <a:off x="4319757" y="3104043"/>
+              <a:ext cx="2383790" cy="2036092"/>
+            </a:xfrm>
+            <a:prstGeom prst="line">
+              <a:avLst/>
+            </a:prstGeom>
+          </p:spPr>
+          <p:style>
+            <a:lnRef idx="1">
+              <a:schemeClr val="accent1"/>
+            </a:lnRef>
+            <a:fillRef idx="0">
+              <a:schemeClr val="accent1"/>
+            </a:fillRef>
+            <a:effectRef idx="0">
+              <a:schemeClr val="accent1"/>
+            </a:effectRef>
+            <a:fontRef idx="minor">
+              <a:schemeClr val="tx1"/>
+            </a:fontRef>
+          </p:style>
+        </p:cxnSp>
+        <p:cxnSp>
+          <p:nvCxnSpPr>
+            <p:cNvPr id="30" name="Gerader Verbinder 29">
+              <a:extLst>
+                <a:ext uri="{FF2B5EF4-FFF2-40B4-BE49-F238E27FC236}">
+                  <a16:creationId xmlns:a16="http://schemas.microsoft.com/office/drawing/2014/main" id="{1560A915-123F-4BBD-879C-A7DFCB40DE22}"/>
+                </a:ext>
+              </a:extLst>
+            </p:cNvPr>
+            <p:cNvCxnSpPr>
+              <a:cxnSpLocks/>
+              <a:stCxn id="11" idx="6"/>
+              <a:endCxn id="13" idx="2"/>
+            </p:cNvCxnSpPr>
+            <p:nvPr/>
+          </p:nvCxnSpPr>
+          <p:spPr>
+            <a:xfrm flipV="1">
+              <a:off x="4319757" y="2085997"/>
+              <a:ext cx="2383790" cy="2036092"/>
+            </a:xfrm>
+            <a:prstGeom prst="line">
+              <a:avLst/>
+            </a:prstGeom>
+          </p:spPr>
+          <p:style>
+            <a:lnRef idx="1">
+              <a:schemeClr val="accent1"/>
+            </a:lnRef>
+            <a:fillRef idx="0">
+              <a:schemeClr val="accent1"/>
+            </a:fillRef>
+            <a:effectRef idx="0">
+              <a:schemeClr val="accent1"/>
+            </a:effectRef>
+            <a:fontRef idx="minor">
+              <a:schemeClr val="tx1"/>
+            </a:fontRef>
+          </p:style>
+        </p:cxnSp>
+        <p:cxnSp>
+          <p:nvCxnSpPr>
+            <p:cNvPr id="33" name="Gerader Verbinder 32">
+              <a:extLst>
+                <a:ext uri="{FF2B5EF4-FFF2-40B4-BE49-F238E27FC236}">
+                  <a16:creationId xmlns:a16="http://schemas.microsoft.com/office/drawing/2014/main" id="{6FBFA77F-C7C8-40F8-A1C7-7A6FC28E628C}"/>
+                </a:ext>
+              </a:extLst>
+            </p:cNvPr>
+            <p:cNvCxnSpPr>
+              <a:cxnSpLocks/>
+              <a:stCxn id="11" idx="6"/>
+              <a:endCxn id="14" idx="2"/>
+            </p:cNvCxnSpPr>
+            <p:nvPr/>
+          </p:nvCxnSpPr>
+          <p:spPr>
+            <a:xfrm flipV="1">
+              <a:off x="4319757" y="3104043"/>
+              <a:ext cx="2383790" cy="1018046"/>
+            </a:xfrm>
+            <a:prstGeom prst="line">
+              <a:avLst/>
+            </a:prstGeom>
+          </p:spPr>
+          <p:style>
+            <a:lnRef idx="1">
+              <a:schemeClr val="accent1"/>
+            </a:lnRef>
+            <a:fillRef idx="0">
+              <a:schemeClr val="accent1"/>
+            </a:fillRef>
+            <a:effectRef idx="0">
+              <a:schemeClr val="accent1"/>
+            </a:effectRef>
+            <a:fontRef idx="minor">
+              <a:schemeClr val="tx1"/>
+            </a:fontRef>
+          </p:style>
+        </p:cxnSp>
+        <p:cxnSp>
+          <p:nvCxnSpPr>
+            <p:cNvPr id="36" name="Gerader Verbinder 35">
+              <a:extLst>
+                <a:ext uri="{FF2B5EF4-FFF2-40B4-BE49-F238E27FC236}">
+                  <a16:creationId xmlns:a16="http://schemas.microsoft.com/office/drawing/2014/main" id="{FA08EEDC-93CE-4368-9458-842D4FF2223D}"/>
+                </a:ext>
+              </a:extLst>
+            </p:cNvPr>
+            <p:cNvCxnSpPr>
+              <a:cxnSpLocks/>
+              <a:stCxn id="11" idx="6"/>
+              <a:endCxn id="16" idx="2"/>
+            </p:cNvCxnSpPr>
+            <p:nvPr/>
+          </p:nvCxnSpPr>
+          <p:spPr>
+            <a:xfrm>
+              <a:off x="4319757" y="4122089"/>
+              <a:ext cx="2383790" cy="1018046"/>
+            </a:xfrm>
+            <a:prstGeom prst="line">
+              <a:avLst/>
+            </a:prstGeom>
+          </p:spPr>
+          <p:style>
+            <a:lnRef idx="1">
+              <a:schemeClr val="accent1"/>
+            </a:lnRef>
+            <a:fillRef idx="0">
+              <a:schemeClr val="accent1"/>
+            </a:fillRef>
+            <a:effectRef idx="0">
+              <a:schemeClr val="accent1"/>
+            </a:effectRef>
+            <a:fontRef idx="minor">
+              <a:schemeClr val="tx1"/>
+            </a:fontRef>
+          </p:style>
+        </p:cxnSp>
+        <p:cxnSp>
+          <p:nvCxnSpPr>
+            <p:cNvPr id="50" name="Gerader Verbinder 49">
+              <a:extLst>
+                <a:ext uri="{FF2B5EF4-FFF2-40B4-BE49-F238E27FC236}">
+                  <a16:creationId xmlns:a16="http://schemas.microsoft.com/office/drawing/2014/main" id="{0B9A95E6-89E8-44CE-8E38-FA2695370C37}"/>
+                </a:ext>
+              </a:extLst>
+            </p:cNvPr>
+            <p:cNvCxnSpPr>
+              <a:cxnSpLocks/>
+              <a:stCxn id="17" idx="2"/>
+              <a:endCxn id="13" idx="6"/>
+            </p:cNvCxnSpPr>
+            <p:nvPr/>
+          </p:nvCxnSpPr>
+          <p:spPr>
+            <a:xfrm flipH="1" flipV="1">
+              <a:off x="7514901" y="2085997"/>
+              <a:ext cx="2683335" cy="1018046"/>
+            </a:xfrm>
+            <a:prstGeom prst="line">
+              <a:avLst/>
+            </a:prstGeom>
+          </p:spPr>
+          <p:style>
+            <a:lnRef idx="1">
+              <a:schemeClr val="accent1"/>
+            </a:lnRef>
+            <a:fillRef idx="0">
+              <a:schemeClr val="accent1"/>
+            </a:fillRef>
+            <a:effectRef idx="0">
+              <a:schemeClr val="accent1"/>
+            </a:effectRef>
+            <a:fontRef idx="minor">
+              <a:schemeClr val="tx1"/>
+            </a:fontRef>
+          </p:style>
+        </p:cxnSp>
+        <p:cxnSp>
+          <p:nvCxnSpPr>
+            <p:cNvPr id="53" name="Gerader Verbinder 52">
+              <a:extLst>
+                <a:ext uri="{FF2B5EF4-FFF2-40B4-BE49-F238E27FC236}">
+                  <a16:creationId xmlns:a16="http://schemas.microsoft.com/office/drawing/2014/main" id="{04E7B7E6-5136-46D4-91B0-3AB3B0F14F2D}"/>
+                </a:ext>
+              </a:extLst>
+            </p:cNvPr>
+            <p:cNvCxnSpPr>
+              <a:cxnSpLocks/>
+              <a:stCxn id="17" idx="2"/>
+              <a:endCxn id="14" idx="6"/>
+            </p:cNvCxnSpPr>
+            <p:nvPr/>
+          </p:nvCxnSpPr>
+          <p:spPr>
+            <a:xfrm flipH="1">
+              <a:off x="7514901" y="3104043"/>
+              <a:ext cx="2683335" cy="0"/>
+            </a:xfrm>
+            <a:prstGeom prst="line">
+              <a:avLst/>
+            </a:prstGeom>
+          </p:spPr>
+          <p:style>
+            <a:lnRef idx="1">
+              <a:schemeClr val="accent1"/>
+            </a:lnRef>
+            <a:fillRef idx="0">
+              <a:schemeClr val="accent1"/>
+            </a:fillRef>
+            <a:effectRef idx="0">
+              <a:schemeClr val="accent1"/>
+            </a:effectRef>
+            <a:fontRef idx="minor">
+              <a:schemeClr val="tx1"/>
+            </a:fontRef>
+          </p:style>
+        </p:cxnSp>
+        <p:cxnSp>
+          <p:nvCxnSpPr>
+            <p:cNvPr id="56" name="Gerader Verbinder 55">
+              <a:extLst>
+                <a:ext uri="{FF2B5EF4-FFF2-40B4-BE49-F238E27FC236}">
+                  <a16:creationId xmlns:a16="http://schemas.microsoft.com/office/drawing/2014/main" id="{899259C5-906E-4FF7-BD91-E27FB596501A}"/>
+                </a:ext>
+              </a:extLst>
+            </p:cNvPr>
+            <p:cNvCxnSpPr>
+              <a:cxnSpLocks/>
+              <a:stCxn id="17" idx="2"/>
+              <a:endCxn id="15" idx="6"/>
+            </p:cNvCxnSpPr>
+            <p:nvPr/>
+          </p:nvCxnSpPr>
+          <p:spPr>
+            <a:xfrm flipH="1">
+              <a:off x="7514901" y="3104043"/>
+              <a:ext cx="2683335" cy="1018046"/>
+            </a:xfrm>
+            <a:prstGeom prst="line">
+              <a:avLst/>
+            </a:prstGeom>
+          </p:spPr>
+          <p:style>
+            <a:lnRef idx="1">
+              <a:schemeClr val="accent1"/>
+            </a:lnRef>
+            <a:fillRef idx="0">
+              <a:schemeClr val="accent1"/>
+            </a:fillRef>
+            <a:effectRef idx="0">
+              <a:schemeClr val="accent1"/>
+            </a:effectRef>
+            <a:fontRef idx="minor">
+              <a:schemeClr val="tx1"/>
+            </a:fontRef>
+          </p:style>
+        </p:cxnSp>
+        <p:cxnSp>
+          <p:nvCxnSpPr>
+            <p:cNvPr id="59" name="Gerader Verbinder 58">
+              <a:extLst>
+                <a:ext uri="{FF2B5EF4-FFF2-40B4-BE49-F238E27FC236}">
+                  <a16:creationId xmlns:a16="http://schemas.microsoft.com/office/drawing/2014/main" id="{B6EBF058-132E-4D30-96DB-9C7EB8BDED31}"/>
+                </a:ext>
+              </a:extLst>
+            </p:cNvPr>
+            <p:cNvCxnSpPr>
+              <a:cxnSpLocks/>
+              <a:stCxn id="17" idx="2"/>
+              <a:endCxn id="16" idx="6"/>
+            </p:cNvCxnSpPr>
+            <p:nvPr/>
+          </p:nvCxnSpPr>
+          <p:spPr>
+            <a:xfrm flipH="1">
+              <a:off x="7514901" y="3104043"/>
+              <a:ext cx="2683335" cy="2036092"/>
+            </a:xfrm>
+            <a:prstGeom prst="line">
+              <a:avLst/>
+            </a:prstGeom>
+          </p:spPr>
+          <p:style>
+            <a:lnRef idx="1">
+              <a:schemeClr val="accent1"/>
+            </a:lnRef>
+            <a:fillRef idx="0">
+              <a:schemeClr val="accent1"/>
+            </a:fillRef>
+            <a:effectRef idx="0">
+              <a:schemeClr val="accent1"/>
+            </a:effectRef>
+            <a:fontRef idx="minor">
+              <a:schemeClr val="tx1"/>
+            </a:fontRef>
+          </p:style>
+        </p:cxnSp>
+        <p:cxnSp>
+          <p:nvCxnSpPr>
+            <p:cNvPr id="62" name="Gerader Verbinder 61">
+              <a:extLst>
+                <a:ext uri="{FF2B5EF4-FFF2-40B4-BE49-F238E27FC236}">
+                  <a16:creationId xmlns:a16="http://schemas.microsoft.com/office/drawing/2014/main" id="{E40DA542-5BDC-4669-BFB3-92344F383863}"/>
+                </a:ext>
+              </a:extLst>
+            </p:cNvPr>
+            <p:cNvCxnSpPr>
+              <a:cxnSpLocks/>
+              <a:stCxn id="13" idx="6"/>
+              <a:endCxn id="18" idx="2"/>
+            </p:cNvCxnSpPr>
+            <p:nvPr/>
+          </p:nvCxnSpPr>
+          <p:spPr>
+            <a:xfrm>
+              <a:off x="7514901" y="2085997"/>
+              <a:ext cx="2683335" cy="2036092"/>
+            </a:xfrm>
+            <a:prstGeom prst="line">
+              <a:avLst/>
+            </a:prstGeom>
+          </p:spPr>
+          <p:style>
+            <a:lnRef idx="1">
+              <a:schemeClr val="accent1"/>
+            </a:lnRef>
+            <a:fillRef idx="0">
+              <a:schemeClr val="accent1"/>
+            </a:fillRef>
+            <a:effectRef idx="0">
+              <a:schemeClr val="accent1"/>
+            </a:effectRef>
+            <a:fontRef idx="minor">
+              <a:schemeClr val="tx1"/>
+            </a:fontRef>
+          </p:style>
+        </p:cxnSp>
+        <p:cxnSp>
+          <p:nvCxnSpPr>
+            <p:cNvPr id="65" name="Gerader Verbinder 64">
+              <a:extLst>
+                <a:ext uri="{FF2B5EF4-FFF2-40B4-BE49-F238E27FC236}">
+                  <a16:creationId xmlns:a16="http://schemas.microsoft.com/office/drawing/2014/main" id="{65389C5D-10D7-4648-BE13-5191B76B6253}"/>
+                </a:ext>
+              </a:extLst>
+            </p:cNvPr>
+            <p:cNvCxnSpPr>
+              <a:cxnSpLocks/>
+              <a:stCxn id="18" idx="2"/>
+              <a:endCxn id="14" idx="6"/>
+            </p:cNvCxnSpPr>
+            <p:nvPr/>
+          </p:nvCxnSpPr>
+          <p:spPr>
+            <a:xfrm flipH="1" flipV="1">
+              <a:off x="7514901" y="3104043"/>
+              <a:ext cx="2683335" cy="1018046"/>
+            </a:xfrm>
+            <a:prstGeom prst="line">
+              <a:avLst/>
+            </a:prstGeom>
+          </p:spPr>
+          <p:style>
+            <a:lnRef idx="1">
+              <a:schemeClr val="accent1"/>
+            </a:lnRef>
+            <a:fillRef idx="0">
+              <a:schemeClr val="accent1"/>
+            </a:fillRef>
+            <a:effectRef idx="0">
+              <a:schemeClr val="accent1"/>
+            </a:effectRef>
+            <a:fontRef idx="minor">
+              <a:schemeClr val="tx1"/>
+            </a:fontRef>
+          </p:style>
+        </p:cxnSp>
+        <p:cxnSp>
+          <p:nvCxnSpPr>
+            <p:cNvPr id="68" name="Gerader Verbinder 67">
+              <a:extLst>
+                <a:ext uri="{FF2B5EF4-FFF2-40B4-BE49-F238E27FC236}">
+                  <a16:creationId xmlns:a16="http://schemas.microsoft.com/office/drawing/2014/main" id="{7801272C-0785-4E4C-85F6-2E0518221429}"/>
+                </a:ext>
+              </a:extLst>
+            </p:cNvPr>
+            <p:cNvCxnSpPr>
+              <a:cxnSpLocks/>
+              <a:stCxn id="18" idx="2"/>
+              <a:endCxn id="16" idx="6"/>
+            </p:cNvCxnSpPr>
+            <p:nvPr/>
+          </p:nvCxnSpPr>
+          <p:spPr>
+            <a:xfrm flipH="1">
+              <a:off x="7514901" y="4122089"/>
+              <a:ext cx="2683335" cy="1018046"/>
+            </a:xfrm>
+            <a:prstGeom prst="line">
+              <a:avLst/>
+            </a:prstGeom>
+          </p:spPr>
+          <p:style>
+            <a:lnRef idx="1">
+              <a:schemeClr val="accent1"/>
+            </a:lnRef>
+            <a:fillRef idx="0">
+              <a:schemeClr val="accent1"/>
+            </a:fillRef>
+            <a:effectRef idx="0">
+              <a:schemeClr val="accent1"/>
+            </a:effectRef>
+            <a:fontRef idx="minor">
+              <a:schemeClr val="tx1"/>
+            </a:fontRef>
+          </p:style>
+        </p:cxnSp>
+      </p:grpSp>
+      <p:cxnSp>
+        <p:nvCxnSpPr>
+          <p:cNvPr id="80" name="Gerader Verbinder 79">
+            <a:extLst>
+              <a:ext uri="{FF2B5EF4-FFF2-40B4-BE49-F238E27FC236}">
+                <a16:creationId xmlns:a16="http://schemas.microsoft.com/office/drawing/2014/main" id="{04977789-8E1A-4A04-92F0-9C397881F2F5}"/>
+              </a:ext>
+            </a:extLst>
+          </p:cNvPr>
+          <p:cNvCxnSpPr>
+            <a:stCxn id="13" idx="0"/>
+            <a:endCxn id="13" idx="4"/>
+          </p:cNvCxnSpPr>
+          <p:nvPr/>
+        </p:nvCxnSpPr>
+        <p:spPr>
+          <a:xfrm>
+            <a:off x="7109224" y="1690688"/>
+            <a:ext cx="0" cy="790617"/>
+          </a:xfrm>
+          <a:prstGeom prst="line">
+            <a:avLst/>
+          </a:prstGeom>
+        </p:spPr>
+        <p:style>
+          <a:lnRef idx="1">
+            <a:schemeClr val="accent1"/>
+          </a:lnRef>
+          <a:fillRef idx="0">
+            <a:schemeClr val="accent1"/>
+          </a:fillRef>
+          <a:effectRef idx="0">
+            <a:schemeClr val="accent1"/>
+          </a:effectRef>
+          <a:fontRef idx="minor">
+            <a:schemeClr val="tx1"/>
+          </a:fontRef>
+        </p:style>
+      </p:cxnSp>
+      <p:cxnSp>
+        <p:nvCxnSpPr>
+          <p:cNvPr id="81" name="Gerader Verbinder 80">
+            <a:extLst>
+              <a:ext uri="{FF2B5EF4-FFF2-40B4-BE49-F238E27FC236}">
+                <a16:creationId xmlns:a16="http://schemas.microsoft.com/office/drawing/2014/main" id="{FA917C85-E8C7-4ECC-B603-A88EF651230D}"/>
+              </a:ext>
+            </a:extLst>
+          </p:cNvPr>
+          <p:cNvCxnSpPr>
+            <a:cxnSpLocks/>
+            <a:stCxn id="14" idx="0"/>
+            <a:endCxn id="14" idx="4"/>
+          </p:cNvCxnSpPr>
+          <p:nvPr/>
+        </p:nvCxnSpPr>
+        <p:spPr>
+          <a:xfrm>
+            <a:off x="7109224" y="2708734"/>
+            <a:ext cx="0" cy="790617"/>
+          </a:xfrm>
+          <a:prstGeom prst="line">
+            <a:avLst/>
+          </a:prstGeom>
+        </p:spPr>
+        <p:style>
+          <a:lnRef idx="1">
+            <a:schemeClr val="accent1"/>
+          </a:lnRef>
+          <a:fillRef idx="0">
+            <a:schemeClr val="accent1"/>
+          </a:fillRef>
+          <a:effectRef idx="0">
+            <a:schemeClr val="accent1"/>
+          </a:effectRef>
+          <a:fontRef idx="minor">
+            <a:schemeClr val="tx1"/>
+          </a:fontRef>
+        </p:style>
+      </p:cxnSp>
+      <p:cxnSp>
+        <p:nvCxnSpPr>
+          <p:cNvPr id="85" name="Gerader Verbinder 84">
+            <a:extLst>
+              <a:ext uri="{FF2B5EF4-FFF2-40B4-BE49-F238E27FC236}">
+                <a16:creationId xmlns:a16="http://schemas.microsoft.com/office/drawing/2014/main" id="{005B1122-3E5B-45DE-8705-9AE7F594611E}"/>
+              </a:ext>
+            </a:extLst>
+          </p:cNvPr>
+          <p:cNvCxnSpPr>
+            <a:cxnSpLocks/>
+            <a:stCxn id="15" idx="0"/>
+            <a:endCxn id="15" idx="4"/>
+          </p:cNvCxnSpPr>
+          <p:nvPr/>
+        </p:nvCxnSpPr>
+        <p:spPr>
+          <a:xfrm>
+            <a:off x="7109224" y="3726780"/>
+            <a:ext cx="0" cy="790617"/>
+          </a:xfrm>
+          <a:prstGeom prst="line">
+            <a:avLst/>
+          </a:prstGeom>
+        </p:spPr>
+        <p:style>
+          <a:lnRef idx="1">
+            <a:schemeClr val="accent1"/>
+          </a:lnRef>
+          <a:fillRef idx="0">
+            <a:schemeClr val="accent1"/>
+          </a:fillRef>
+          <a:effectRef idx="0">
+            <a:schemeClr val="accent1"/>
+          </a:effectRef>
+          <a:fontRef idx="minor">
+            <a:schemeClr val="tx1"/>
+          </a:fontRef>
+        </p:style>
+      </p:cxnSp>
+      <p:cxnSp>
+        <p:nvCxnSpPr>
+          <p:cNvPr id="88" name="Gerader Verbinder 87">
+            <a:extLst>
+              <a:ext uri="{FF2B5EF4-FFF2-40B4-BE49-F238E27FC236}">
+                <a16:creationId xmlns:a16="http://schemas.microsoft.com/office/drawing/2014/main" id="{FF0F25D9-89A0-4AFE-9DE8-3DCD18399E98}"/>
+              </a:ext>
+            </a:extLst>
+          </p:cNvPr>
+          <p:cNvCxnSpPr>
+            <a:cxnSpLocks/>
+            <a:stCxn id="16" idx="0"/>
+            <a:endCxn id="16" idx="4"/>
+          </p:cNvCxnSpPr>
+          <p:nvPr/>
+        </p:nvCxnSpPr>
+        <p:spPr>
+          <a:xfrm>
+            <a:off x="7109224" y="4744826"/>
+            <a:ext cx="0" cy="790617"/>
+          </a:xfrm>
+          <a:prstGeom prst="line">
+            <a:avLst/>
+          </a:prstGeom>
+        </p:spPr>
+        <p:style>
+          <a:lnRef idx="1">
+            <a:schemeClr val="accent1"/>
+          </a:lnRef>
+          <a:fillRef idx="0">
+            <a:schemeClr val="accent1"/>
+          </a:fillRef>
+          <a:effectRef idx="0">
+            <a:schemeClr val="accent1"/>
+          </a:effectRef>
+          <a:fontRef idx="minor">
+            <a:schemeClr val="tx1"/>
+          </a:fontRef>
+        </p:style>
+      </p:cxnSp>
+      <p:cxnSp>
+        <p:nvCxnSpPr>
+          <p:cNvPr id="91" name="Gerader Verbinder 90">
+            <a:extLst>
+              <a:ext uri="{FF2B5EF4-FFF2-40B4-BE49-F238E27FC236}">
+                <a16:creationId xmlns:a16="http://schemas.microsoft.com/office/drawing/2014/main" id="{03D458E2-0E08-4971-A6CC-8742CFC04A09}"/>
+              </a:ext>
+            </a:extLst>
+          </p:cNvPr>
+          <p:cNvCxnSpPr>
+            <a:cxnSpLocks/>
+            <a:stCxn id="17" idx="0"/>
+            <a:endCxn id="17" idx="4"/>
+          </p:cNvCxnSpPr>
+          <p:nvPr/>
+        </p:nvCxnSpPr>
+        <p:spPr>
+          <a:xfrm>
+            <a:off x="10603913" y="2708734"/>
+            <a:ext cx="0" cy="790617"/>
+          </a:xfrm>
+          <a:prstGeom prst="line">
+            <a:avLst/>
+          </a:prstGeom>
+        </p:spPr>
+        <p:style>
+          <a:lnRef idx="1">
+            <a:schemeClr val="accent1"/>
+          </a:lnRef>
+          <a:fillRef idx="0">
+            <a:schemeClr val="accent1"/>
+          </a:fillRef>
+          <a:effectRef idx="0">
+            <a:schemeClr val="accent1"/>
+          </a:effectRef>
+          <a:fontRef idx="minor">
+            <a:schemeClr val="tx1"/>
+          </a:fontRef>
+        </p:style>
+      </p:cxnSp>
+      <p:cxnSp>
+        <p:nvCxnSpPr>
+          <p:cNvPr id="94" name="Gerader Verbinder 93">
+            <a:extLst>
+              <a:ext uri="{FF2B5EF4-FFF2-40B4-BE49-F238E27FC236}">
+                <a16:creationId xmlns:a16="http://schemas.microsoft.com/office/drawing/2014/main" id="{FCF1858F-0171-4589-9F4B-B02AE0F1914F}"/>
+              </a:ext>
+            </a:extLst>
+          </p:cNvPr>
+          <p:cNvCxnSpPr>
+            <a:cxnSpLocks/>
+            <a:stCxn id="18" idx="0"/>
+            <a:endCxn id="18" idx="4"/>
+          </p:cNvCxnSpPr>
+          <p:nvPr/>
+        </p:nvCxnSpPr>
+        <p:spPr>
+          <a:xfrm>
+            <a:off x="10603913" y="3726780"/>
+            <a:ext cx="0" cy="790617"/>
+          </a:xfrm>
+          <a:prstGeom prst="line">
+            <a:avLst/>
+          </a:prstGeom>
+        </p:spPr>
+        <p:style>
+          <a:lnRef idx="1">
+            <a:schemeClr val="accent1"/>
+          </a:lnRef>
+          <a:fillRef idx="0">
+            <a:schemeClr val="accent1"/>
+          </a:fillRef>
+          <a:effectRef idx="0">
+            <a:schemeClr val="accent1"/>
+          </a:effectRef>
+          <a:fontRef idx="minor">
+            <a:schemeClr val="tx1"/>
+          </a:fontRef>
+        </p:style>
+      </p:cxnSp>
+      <p:cxnSp>
+        <p:nvCxnSpPr>
+          <p:cNvPr id="97" name="Gerader Verbinder 96">
+            <a:extLst>
+              <a:ext uri="{FF2B5EF4-FFF2-40B4-BE49-F238E27FC236}">
+                <a16:creationId xmlns:a16="http://schemas.microsoft.com/office/drawing/2014/main" id="{95125884-DCA5-40C4-9D3C-8FD9485CFE4B}"/>
+              </a:ext>
+            </a:extLst>
+          </p:cNvPr>
+          <p:cNvCxnSpPr>
+            <a:cxnSpLocks/>
+            <a:stCxn id="4" idx="0"/>
+            <a:endCxn id="4" idx="4"/>
+          </p:cNvCxnSpPr>
+          <p:nvPr/>
+        </p:nvCxnSpPr>
+        <p:spPr>
+          <a:xfrm>
+            <a:off x="3914080" y="2708734"/>
+            <a:ext cx="0" cy="790617"/>
+          </a:xfrm>
+          <a:prstGeom prst="line">
+            <a:avLst/>
+          </a:prstGeom>
+        </p:spPr>
+        <p:style>
+          <a:lnRef idx="1">
+            <a:schemeClr val="accent1"/>
+          </a:lnRef>
+          <a:fillRef idx="0">
+            <a:schemeClr val="accent1"/>
+          </a:fillRef>
+          <a:effectRef idx="0">
+            <a:schemeClr val="accent1"/>
+          </a:effectRef>
+          <a:fontRef idx="minor">
+            <a:schemeClr val="tx1"/>
+          </a:fontRef>
+        </p:style>
+      </p:cxnSp>
     </p:spTree>
     <p:extLst>
       <p:ext uri="{BB962C8B-B14F-4D97-AF65-F5344CB8AC3E}">
